--- a/host/Splunk/Training Cell - Conversion course - Splunk.pptx
+++ b/host/Splunk/Training Cell - Conversion course - Splunk.pptx
@@ -273,7 +273,7 @@
           <a:p>
             <a:fld id="{266447FA-567A-498F-ABE1-423C63A16A7D}" type="datetimeFigureOut">
               <a:rPr lang="en-AU" smtClean="0"/>
-              <a:t>16/01/2026</a:t>
+              <a:t>19/01/2026</a:t>
             </a:fld>
             <a:endParaRPr lang="en-AU"/>
           </a:p>
@@ -473,7 +473,7 @@
           <a:p>
             <a:fld id="{266447FA-567A-498F-ABE1-423C63A16A7D}" type="datetimeFigureOut">
               <a:rPr lang="en-AU" smtClean="0"/>
-              <a:t>16/01/2026</a:t>
+              <a:t>19/01/2026</a:t>
             </a:fld>
             <a:endParaRPr lang="en-AU"/>
           </a:p>
@@ -683,7 +683,7 @@
           <a:p>
             <a:fld id="{266447FA-567A-498F-ABE1-423C63A16A7D}" type="datetimeFigureOut">
               <a:rPr lang="en-AU" smtClean="0"/>
-              <a:t>16/01/2026</a:t>
+              <a:t>19/01/2026</a:t>
             </a:fld>
             <a:endParaRPr lang="en-AU"/>
           </a:p>
@@ -883,7 +883,7 @@
           <a:p>
             <a:fld id="{266447FA-567A-498F-ABE1-423C63A16A7D}" type="datetimeFigureOut">
               <a:rPr lang="en-AU" smtClean="0"/>
-              <a:t>16/01/2026</a:t>
+              <a:t>19/01/2026</a:t>
             </a:fld>
             <a:endParaRPr lang="en-AU"/>
           </a:p>
@@ -1159,7 +1159,7 @@
           <a:p>
             <a:fld id="{266447FA-567A-498F-ABE1-423C63A16A7D}" type="datetimeFigureOut">
               <a:rPr lang="en-AU" smtClean="0"/>
-              <a:t>16/01/2026</a:t>
+              <a:t>19/01/2026</a:t>
             </a:fld>
             <a:endParaRPr lang="en-AU"/>
           </a:p>
@@ -1427,7 +1427,7 @@
           <a:p>
             <a:fld id="{266447FA-567A-498F-ABE1-423C63A16A7D}" type="datetimeFigureOut">
               <a:rPr lang="en-AU" smtClean="0"/>
-              <a:t>16/01/2026</a:t>
+              <a:t>19/01/2026</a:t>
             </a:fld>
             <a:endParaRPr lang="en-AU"/>
           </a:p>
@@ -1842,7 +1842,7 @@
           <a:p>
             <a:fld id="{266447FA-567A-498F-ABE1-423C63A16A7D}" type="datetimeFigureOut">
               <a:rPr lang="en-AU" smtClean="0"/>
-              <a:t>16/01/2026</a:t>
+              <a:t>19/01/2026</a:t>
             </a:fld>
             <a:endParaRPr lang="en-AU"/>
           </a:p>
@@ -1984,7 +1984,7 @@
           <a:p>
             <a:fld id="{266447FA-567A-498F-ABE1-423C63A16A7D}" type="datetimeFigureOut">
               <a:rPr lang="en-AU" smtClean="0"/>
-              <a:t>16/01/2026</a:t>
+              <a:t>19/01/2026</a:t>
             </a:fld>
             <a:endParaRPr lang="en-AU"/>
           </a:p>
@@ -2097,7 +2097,7 @@
           <a:p>
             <a:fld id="{266447FA-567A-498F-ABE1-423C63A16A7D}" type="datetimeFigureOut">
               <a:rPr lang="en-AU" smtClean="0"/>
-              <a:t>16/01/2026</a:t>
+              <a:t>19/01/2026</a:t>
             </a:fld>
             <a:endParaRPr lang="en-AU"/>
           </a:p>
@@ -2410,7 +2410,7 @@
           <a:p>
             <a:fld id="{266447FA-567A-498F-ABE1-423C63A16A7D}" type="datetimeFigureOut">
               <a:rPr lang="en-AU" smtClean="0"/>
-              <a:t>16/01/2026</a:t>
+              <a:t>19/01/2026</a:t>
             </a:fld>
             <a:endParaRPr lang="en-AU"/>
           </a:p>
@@ -2699,7 +2699,7 @@
           <a:p>
             <a:fld id="{266447FA-567A-498F-ABE1-423C63A16A7D}" type="datetimeFigureOut">
               <a:rPr lang="en-AU" smtClean="0"/>
-              <a:t>16/01/2026</a:t>
+              <a:t>19/01/2026</a:t>
             </a:fld>
             <a:endParaRPr lang="en-AU"/>
           </a:p>
@@ -2942,7 +2942,7 @@
           <a:p>
             <a:fld id="{266447FA-567A-498F-ABE1-423C63A16A7D}" type="datetimeFigureOut">
               <a:rPr lang="en-AU" smtClean="0"/>
-              <a:t>16/01/2026</a:t>
+              <a:t>19/01/2026</a:t>
             </a:fld>
             <a:endParaRPr lang="en-AU"/>
           </a:p>
@@ -4208,7 +4208,7 @@
           <a:p>
             <a:r>
               <a:rPr lang="en-US" dirty="0"/>
-              <a:t>Searching in Splunk</a:t>
+              <a:t>Searching in Splunk - Fields</a:t>
             </a:r>
             <a:endParaRPr lang="en-AU" dirty="0"/>
           </a:p>
@@ -4237,12 +4237,70 @@
           <a:p>
             <a:r>
               <a:rPr lang="en-US" dirty="0"/>
-              <a:t>fields</a:t>
-            </a:r>
+              <a:t>Fields in Splunk are pieces of information extracted from each event.</a:t>
+            </a:r>
+          </a:p>
+          <a:p>
+            <a:r>
+              <a:rPr lang="en-US" dirty="0"/>
+              <a:t>Fields allow searching, filtering, and analyzing data more effectively.</a:t>
+            </a:r>
+          </a:p>
+          <a:p>
             <a:endParaRPr lang="en-AU" dirty="0"/>
           </a:p>
-        </p:txBody>
-      </p:sp>
+          <a:p>
+            <a:r>
+              <a:rPr lang="en-AU" dirty="0"/>
+              <a:t>Can think of Fields like variables</a:t>
+            </a:r>
+          </a:p>
+          <a:p>
+            <a:endParaRPr lang="en-AU" dirty="0"/>
+          </a:p>
+          <a:p>
+            <a:pPr marL="0" indent="0">
+              <a:buNone/>
+            </a:pPr>
+            <a:endParaRPr lang="en-AU" dirty="0"/>
+          </a:p>
+        </p:txBody>
+      </p:sp>
+      <p:pic>
+        <p:nvPicPr>
+          <p:cNvPr id="5" name="Picture 4">
+            <a:extLst>
+              <a:ext uri="{FF2B5EF4-FFF2-40B4-BE49-F238E27FC236}">
+                <a16:creationId xmlns:a16="http://schemas.microsoft.com/office/drawing/2014/main" id="{D6480F60-DDE9-3E10-1E17-67BEC3FEB040}"/>
+              </a:ext>
+            </a:extLst>
+          </p:cNvPr>
+          <p:cNvPicPr>
+            <a:picLocks noChangeAspect="1"/>
+          </p:cNvPicPr>
+          <p:nvPr/>
+        </p:nvPicPr>
+        <p:blipFill>
+          <a:blip r:embed="rId2"/>
+          <a:stretch>
+            <a:fillRect/>
+          </a:stretch>
+        </p:blipFill>
+        <p:spPr>
+          <a:xfrm>
+            <a:off x="6163734" y="3244766"/>
+            <a:ext cx="5712906" cy="3564853"/>
+          </a:xfrm>
+          <a:prstGeom prst="rect">
+            <a:avLst/>
+          </a:prstGeom>
+          <a:ln w="19050">
+            <a:solidFill>
+              <a:schemeClr val="tx1"/>
+            </a:solidFill>
+          </a:ln>
+        </p:spPr>
+      </p:pic>
     </p:spTree>
     <p:extLst>
       <p:ext uri="{BB962C8B-B14F-4D97-AF65-F5344CB8AC3E}">
@@ -4296,44 +4354,74 @@
           <a:p>
             <a:r>
               <a:rPr lang="en-US" dirty="0"/>
-              <a:t>Searching in </a:t>
-            </a:r>
-            <a:r>
-              <a:rPr lang="en-US" dirty="0" err="1"/>
-              <a:t>splunk</a:t>
-            </a:r>
+              <a:t>Searching in Splunk </a:t>
+            </a:r>
+            <a:endParaRPr lang="en-AU" dirty="0"/>
+          </a:p>
+        </p:txBody>
+      </p:sp>
+      <p:sp>
+        <p:nvSpPr>
+          <p:cNvPr id="3" name="Content Placeholder 2">
+            <a:extLst>
+              <a:ext uri="{FF2B5EF4-FFF2-40B4-BE49-F238E27FC236}">
+                <a16:creationId xmlns:a16="http://schemas.microsoft.com/office/drawing/2014/main" id="{37FA90E8-A62A-85F1-C850-33791870187D}"/>
+              </a:ext>
+            </a:extLst>
+          </p:cNvPr>
+          <p:cNvSpPr>
+            <a:spLocks noGrp="1"/>
+          </p:cNvSpPr>
+          <p:nvPr>
+            <p:ph idx="1"/>
+          </p:nvPr>
+        </p:nvSpPr>
+        <p:spPr/>
+        <p:txBody>
+          <a:bodyPr>
+            <a:normAutofit/>
+          </a:bodyPr>
+          <a:lstStyle/>
+          <a:p>
             <a:r>
               <a:rPr lang="en-US" dirty="0"/>
-              <a:t> </a:t>
-            </a:r>
-            <a:endParaRPr lang="en-AU" dirty="0"/>
-          </a:p>
-        </p:txBody>
-      </p:sp>
-      <p:sp>
-        <p:nvSpPr>
-          <p:cNvPr id="3" name="Content Placeholder 2">
-            <a:extLst>
-              <a:ext uri="{FF2B5EF4-FFF2-40B4-BE49-F238E27FC236}">
-                <a16:creationId xmlns:a16="http://schemas.microsoft.com/office/drawing/2014/main" id="{37FA90E8-A62A-85F1-C850-33791870187D}"/>
-              </a:ext>
-            </a:extLst>
-          </p:cNvPr>
-          <p:cNvSpPr>
-            <a:spLocks noGrp="1"/>
-          </p:cNvSpPr>
-          <p:nvPr>
-            <p:ph idx="1"/>
-          </p:nvPr>
-        </p:nvSpPr>
-        <p:spPr/>
-        <p:txBody>
-          <a:bodyPr/>
-          <a:lstStyle/>
+              <a:t>Logical operators are used in Splunk searches to combine or refine conditions. They make searches more precise and enable more advanced filtering logic.</a:t>
+            </a:r>
+          </a:p>
           <a:p>
             <a:r>
               <a:rPr lang="en-US" dirty="0"/>
-              <a:t>Logical operators AND OR WHER NOT AND NOT </a:t>
+              <a:t>Common logical operators include AND, OR, and NOT.</a:t>
+            </a:r>
+          </a:p>
+          <a:p>
+            <a:r>
+              <a:rPr lang="en-US" b="1" dirty="0"/>
+              <a:t>AND</a:t>
+            </a:r>
+            <a:r>
+              <a:rPr lang="en-US" dirty="0"/>
+              <a:t> requires all conditions to be true (e.g., status=200 AND method=POST)</a:t>
+            </a:r>
+          </a:p>
+          <a:p>
+            <a:r>
+              <a:rPr lang="en-US" b="1" dirty="0"/>
+              <a:t>OR</a:t>
+            </a:r>
+            <a:r>
+              <a:rPr lang="en-US" dirty="0"/>
+              <a:t> allows any one of multiple conditions to be true (e.g., status=200 OR status=404)</a:t>
+            </a:r>
+          </a:p>
+          <a:p>
+            <a:r>
+              <a:rPr lang="en-US" b="1" dirty="0"/>
+              <a:t>NOT</a:t>
+            </a:r>
+            <a:r>
+              <a:rPr lang="en-US" dirty="0"/>
+              <a:t> excludes certain events from results (e.g., NOT status=200).</a:t>
             </a:r>
           </a:p>
         </p:txBody>
@@ -4416,7 +4504,7 @@
         <p:spPr/>
         <p:txBody>
           <a:bodyPr>
-            <a:normAutofit lnSpcReduction="10000"/>
+            <a:normAutofit/>
           </a:bodyPr>
           <a:lstStyle/>
           <a:p>
@@ -4426,33 +4514,18 @@
             </a:r>
           </a:p>
           <a:p>
-            <a:endParaRPr lang="en-US" dirty="0"/>
-          </a:p>
-          <a:p>
             <a:r>
               <a:rPr lang="en-US" dirty="0"/>
               <a:t>Dashboards can also be used to help drill down on important data for further analysis.</a:t>
             </a:r>
           </a:p>
           <a:p>
-            <a:endParaRPr lang="en-US" dirty="0"/>
-          </a:p>
-          <a:p>
             <a:r>
               <a:rPr lang="en-US" dirty="0"/>
               <a:t>Dashboards are very useful in creating baselines to help determine what is and isn’t normal on a network.</a:t>
             </a:r>
           </a:p>
           <a:p>
-            <a:endParaRPr lang="en-US" dirty="0"/>
-          </a:p>
-          <a:p>
-            <a:r>
-              <a:rPr lang="en-US" dirty="0"/>
-              <a:t>Picture of dashboards?**</a:t>
-            </a:r>
-          </a:p>
-          <a:p>
             <a:pPr marL="0" indent="0">
               <a:buNone/>
             </a:pPr>
@@ -4460,6 +4533,41 @@
           </a:p>
         </p:txBody>
       </p:sp>
+      <p:pic>
+        <p:nvPicPr>
+          <p:cNvPr id="5" name="Picture 4">
+            <a:extLst>
+              <a:ext uri="{FF2B5EF4-FFF2-40B4-BE49-F238E27FC236}">
+                <a16:creationId xmlns:a16="http://schemas.microsoft.com/office/drawing/2014/main" id="{966BB166-1D1A-5AED-3AF2-EDEAC0F53F72}"/>
+              </a:ext>
+            </a:extLst>
+          </p:cNvPr>
+          <p:cNvPicPr>
+            <a:picLocks noChangeAspect="1"/>
+          </p:cNvPicPr>
+          <p:nvPr/>
+        </p:nvPicPr>
+        <p:blipFill>
+          <a:blip r:embed="rId2"/>
+          <a:stretch>
+            <a:fillRect/>
+          </a:stretch>
+        </p:blipFill>
+        <p:spPr>
+          <a:xfrm>
+            <a:off x="-9656" y="4775200"/>
+            <a:ext cx="12161899" cy="1822174"/>
+          </a:xfrm>
+          <a:prstGeom prst="rect">
+            <a:avLst/>
+          </a:prstGeom>
+          <a:ln w="38100">
+            <a:solidFill>
+              <a:schemeClr val="tx1"/>
+            </a:solidFill>
+          </a:ln>
+        </p:spPr>
+      </p:pic>
     </p:spTree>
     <p:extLst>
       <p:ext uri="{BB962C8B-B14F-4D97-AF65-F5344CB8AC3E}">

--- a/host/Splunk/Training Cell - Conversion course - Splunk.pptx
+++ b/host/Splunk/Training Cell - Conversion course - Splunk.pptx
@@ -8,16 +8,24 @@
     <p:sldId id="256" r:id="rId2"/>
     <p:sldId id="257" r:id="rId3"/>
     <p:sldId id="258" r:id="rId4"/>
-    <p:sldId id="259" r:id="rId5"/>
-    <p:sldId id="260" r:id="rId6"/>
-    <p:sldId id="261" r:id="rId7"/>
-    <p:sldId id="262" r:id="rId8"/>
-    <p:sldId id="263" r:id="rId9"/>
-    <p:sldId id="264" r:id="rId10"/>
-    <p:sldId id="266" r:id="rId11"/>
-    <p:sldId id="265" r:id="rId12"/>
-    <p:sldId id="267" r:id="rId13"/>
-    <p:sldId id="268" r:id="rId14"/>
+    <p:sldId id="269" r:id="rId5"/>
+    <p:sldId id="259" r:id="rId6"/>
+    <p:sldId id="270" r:id="rId7"/>
+    <p:sldId id="271" r:id="rId8"/>
+    <p:sldId id="272" r:id="rId9"/>
+    <p:sldId id="273" r:id="rId10"/>
+    <p:sldId id="274" r:id="rId11"/>
+    <p:sldId id="260" r:id="rId12"/>
+    <p:sldId id="275" r:id="rId13"/>
+    <p:sldId id="276" r:id="rId14"/>
+    <p:sldId id="277" r:id="rId15"/>
+    <p:sldId id="278" r:id="rId16"/>
+    <p:sldId id="279" r:id="rId17"/>
+    <p:sldId id="280" r:id="rId18"/>
+    <p:sldId id="281" r:id="rId19"/>
+    <p:sldId id="261" r:id="rId20"/>
+    <p:sldId id="263" r:id="rId21"/>
+    <p:sldId id="282" r:id="rId22"/>
   </p:sldIdLst>
   <p:sldSz cx="12192000" cy="6858000"/>
   <p:notesSz cx="6858000" cy="9144000"/>
@@ -273,7 +281,7 @@
           <a:p>
             <a:fld id="{266447FA-567A-498F-ABE1-423C63A16A7D}" type="datetimeFigureOut">
               <a:rPr lang="en-AU" smtClean="0"/>
-              <a:t>19/01/2026</a:t>
+              <a:t>22/01/2026</a:t>
             </a:fld>
             <a:endParaRPr lang="en-AU"/>
           </a:p>
@@ -473,7 +481,7 @@
           <a:p>
             <a:fld id="{266447FA-567A-498F-ABE1-423C63A16A7D}" type="datetimeFigureOut">
               <a:rPr lang="en-AU" smtClean="0"/>
-              <a:t>19/01/2026</a:t>
+              <a:t>22/01/2026</a:t>
             </a:fld>
             <a:endParaRPr lang="en-AU"/>
           </a:p>
@@ -683,7 +691,7 @@
           <a:p>
             <a:fld id="{266447FA-567A-498F-ABE1-423C63A16A7D}" type="datetimeFigureOut">
               <a:rPr lang="en-AU" smtClean="0"/>
-              <a:t>19/01/2026</a:t>
+              <a:t>22/01/2026</a:t>
             </a:fld>
             <a:endParaRPr lang="en-AU"/>
           </a:p>
@@ -883,7 +891,7 @@
           <a:p>
             <a:fld id="{266447FA-567A-498F-ABE1-423C63A16A7D}" type="datetimeFigureOut">
               <a:rPr lang="en-AU" smtClean="0"/>
-              <a:t>19/01/2026</a:t>
+              <a:t>22/01/2026</a:t>
             </a:fld>
             <a:endParaRPr lang="en-AU"/>
           </a:p>
@@ -1159,7 +1167,7 @@
           <a:p>
             <a:fld id="{266447FA-567A-498F-ABE1-423C63A16A7D}" type="datetimeFigureOut">
               <a:rPr lang="en-AU" smtClean="0"/>
-              <a:t>19/01/2026</a:t>
+              <a:t>22/01/2026</a:t>
             </a:fld>
             <a:endParaRPr lang="en-AU"/>
           </a:p>
@@ -1427,7 +1435,7 @@
           <a:p>
             <a:fld id="{266447FA-567A-498F-ABE1-423C63A16A7D}" type="datetimeFigureOut">
               <a:rPr lang="en-AU" smtClean="0"/>
-              <a:t>19/01/2026</a:t>
+              <a:t>22/01/2026</a:t>
             </a:fld>
             <a:endParaRPr lang="en-AU"/>
           </a:p>
@@ -1842,7 +1850,7 @@
           <a:p>
             <a:fld id="{266447FA-567A-498F-ABE1-423C63A16A7D}" type="datetimeFigureOut">
               <a:rPr lang="en-AU" smtClean="0"/>
-              <a:t>19/01/2026</a:t>
+              <a:t>22/01/2026</a:t>
             </a:fld>
             <a:endParaRPr lang="en-AU"/>
           </a:p>
@@ -1984,7 +1992,7 @@
           <a:p>
             <a:fld id="{266447FA-567A-498F-ABE1-423C63A16A7D}" type="datetimeFigureOut">
               <a:rPr lang="en-AU" smtClean="0"/>
-              <a:t>19/01/2026</a:t>
+              <a:t>22/01/2026</a:t>
             </a:fld>
             <a:endParaRPr lang="en-AU"/>
           </a:p>
@@ -2097,7 +2105,7 @@
           <a:p>
             <a:fld id="{266447FA-567A-498F-ABE1-423C63A16A7D}" type="datetimeFigureOut">
               <a:rPr lang="en-AU" smtClean="0"/>
-              <a:t>19/01/2026</a:t>
+              <a:t>22/01/2026</a:t>
             </a:fld>
             <a:endParaRPr lang="en-AU"/>
           </a:p>
@@ -2410,7 +2418,7 @@
           <a:p>
             <a:fld id="{266447FA-567A-498F-ABE1-423C63A16A7D}" type="datetimeFigureOut">
               <a:rPr lang="en-AU" smtClean="0"/>
-              <a:t>19/01/2026</a:t>
+              <a:t>22/01/2026</a:t>
             </a:fld>
             <a:endParaRPr lang="en-AU"/>
           </a:p>
@@ -2699,7 +2707,7 @@
           <a:p>
             <a:fld id="{266447FA-567A-498F-ABE1-423C63A16A7D}" type="datetimeFigureOut">
               <a:rPr lang="en-AU" smtClean="0"/>
-              <a:t>19/01/2026</a:t>
+              <a:t>22/01/2026</a:t>
             </a:fld>
             <a:endParaRPr lang="en-AU"/>
           </a:p>
@@ -2942,7 +2950,7 @@
           <a:p>
             <a:fld id="{266447FA-567A-498F-ABE1-423C63A16A7D}" type="datetimeFigureOut">
               <a:rPr lang="en-AU" smtClean="0"/>
-              <a:t>19/01/2026</a:t>
+              <a:t>22/01/2026</a:t>
             </a:fld>
             <a:endParaRPr lang="en-AU"/>
           </a:p>
@@ -3448,7 +3456,7 @@
           <p:cNvPr id="2" name="Title 1">
             <a:extLst>
               <a:ext uri="{FF2B5EF4-FFF2-40B4-BE49-F238E27FC236}">
-                <a16:creationId xmlns:a16="http://schemas.microsoft.com/office/drawing/2014/main" id="{EBAD5960-DF90-7467-4CBE-BB0F6B74431D}"/>
+                <a16:creationId xmlns:a16="http://schemas.microsoft.com/office/drawing/2014/main" id="{CC5BE3DB-F5AD-4DBF-13D3-44CAA9F95C09}"/>
               </a:ext>
             </a:extLst>
           </p:cNvPr>
@@ -3465,14 +3473,9 @@
           <a:lstStyle/>
           <a:p>
             <a:r>
-              <a:rPr lang="en-US" dirty="0"/>
-              <a:t>Baselining using dashboards in </a:t>
-            </a:r>
-            <a:r>
-              <a:rPr lang="en-US" dirty="0" err="1"/>
-              <a:t>splunk</a:t>
-            </a:r>
-            <a:endParaRPr lang="en-AU" dirty="0"/>
+              <a:rPr lang="en-AU" dirty="0"/>
+              <a:t>Lab Tables</a:t>
+            </a:r>
           </a:p>
         </p:txBody>
       </p:sp>
@@ -3481,7 +3484,7 @@
           <p:cNvPr id="3" name="Content Placeholder 2">
             <a:extLst>
               <a:ext uri="{FF2B5EF4-FFF2-40B4-BE49-F238E27FC236}">
-                <a16:creationId xmlns:a16="http://schemas.microsoft.com/office/drawing/2014/main" id="{25918A16-D89C-CB4C-1CFF-9BBBA3D7D1C1}"/>
+                <a16:creationId xmlns:a16="http://schemas.microsoft.com/office/drawing/2014/main" id="{D7C1AAB1-386C-2B85-D0E7-5C033C9E869C}"/>
               </a:ext>
             </a:extLst>
           </p:cNvPr>
@@ -3497,32 +3500,79 @@
           <a:bodyPr/>
           <a:lstStyle/>
           <a:p>
-            <a:pPr marL="0" indent="0">
-              <a:buNone/>
-            </a:pPr>
-            <a:r>
-              <a:rPr lang="en-US" dirty="0"/>
-              <a:t>It is possible to compare a old base line with a current one and display what has changed since the two – if any.</a:t>
-            </a:r>
-          </a:p>
-          <a:p>
-            <a:pPr marL="0" indent="0">
-              <a:buNone/>
-            </a:pPr>
-            <a:endParaRPr lang="en-US" dirty="0"/>
-          </a:p>
-          <a:p>
-            <a:pPr marL="0" indent="0">
-              <a:buNone/>
-            </a:pPr>
-            <a:endParaRPr lang="en-AU" dirty="0"/>
+            <a:r>
+              <a:rPr lang="en-AU" dirty="0"/>
+              <a:t>In the con.log source type can you output the </a:t>
+            </a:r>
+            <a:r>
+              <a:rPr lang="en-AU" dirty="0" err="1"/>
+              <a:t>src</a:t>
+            </a:r>
+            <a:r>
+              <a:rPr lang="en-AU" dirty="0"/>
+              <a:t> IP, </a:t>
+            </a:r>
+            <a:r>
+              <a:rPr lang="en-AU" dirty="0" err="1"/>
+              <a:t>Dst</a:t>
+            </a:r>
+            <a:r>
+              <a:rPr lang="en-AU" dirty="0"/>
+              <a:t> IP, </a:t>
+            </a:r>
+            <a:r>
+              <a:rPr lang="en-AU" dirty="0" err="1"/>
+              <a:t>Src</a:t>
+            </a:r>
+            <a:r>
+              <a:rPr lang="en-AU" dirty="0"/>
+              <a:t> port, </a:t>
+            </a:r>
+            <a:r>
+              <a:rPr lang="en-AU" dirty="0" err="1"/>
+              <a:t>Dst</a:t>
+            </a:r>
+            <a:r>
+              <a:rPr lang="en-AU" dirty="0"/>
+              <a:t> port. </a:t>
+            </a:r>
+          </a:p>
+          <a:p>
+            <a:r>
+              <a:rPr lang="en-AU" dirty="0"/>
+              <a:t>Afterwards can you </a:t>
+            </a:r>
+            <a:r>
+              <a:rPr lang="en-AU" dirty="0" err="1"/>
+              <a:t>dedup</a:t>
+            </a:r>
+            <a:r>
+              <a:rPr lang="en-AU" dirty="0"/>
+              <a:t> the </a:t>
+            </a:r>
+            <a:r>
+              <a:rPr lang="en-AU" dirty="0" err="1"/>
+              <a:t>Src</a:t>
+            </a:r>
+            <a:r>
+              <a:rPr lang="en-AU" dirty="0"/>
+              <a:t> port and </a:t>
+            </a:r>
+            <a:r>
+              <a:rPr lang="en-AU" dirty="0" err="1"/>
+              <a:t>Dst</a:t>
+            </a:r>
+            <a:r>
+              <a:rPr lang="en-AU" dirty="0"/>
+              <a:t> port</a:t>
+            </a:r>
           </a:p>
         </p:txBody>
       </p:sp>
     </p:spTree>
     <p:extLst>
       <p:ext uri="{BB962C8B-B14F-4D97-AF65-F5344CB8AC3E}">
-        <p14:creationId xmlns:p14="http://schemas.microsoft.com/office/powerpoint/2010/main" val="2962141876"/>
+        <p14:creationId xmlns:p14="http://schemas.microsoft.com/office/powerpoint/2010/main" val="3415588222"/>
       </p:ext>
     </p:extLst>
   </p:cSld>
@@ -3554,7 +3604,7 @@
           <p:cNvPr id="2" name="Title 1">
             <a:extLst>
               <a:ext uri="{FF2B5EF4-FFF2-40B4-BE49-F238E27FC236}">
-                <a16:creationId xmlns:a16="http://schemas.microsoft.com/office/drawing/2014/main" id="{26FEFE91-C695-553D-FF37-B56DFF616AAD}"/>
+                <a16:creationId xmlns:a16="http://schemas.microsoft.com/office/drawing/2014/main" id="{157AE698-46F7-3E5F-F52A-65B076596BD7}"/>
               </a:ext>
             </a:extLst>
           </p:cNvPr>
@@ -3572,160 +3622,82 @@
           <a:p>
             <a:r>
               <a:rPr lang="en-US" dirty="0"/>
-              <a:t>Creating a baseline </a:t>
-            </a:r>
-            <a:r>
-              <a:rPr lang="en-US" dirty="0" err="1"/>
-              <a:t>dasboard</a:t>
-            </a:r>
+              <a:t>Logic Operators in Splunk </a:t>
+            </a:r>
+            <a:endParaRPr lang="en-AU" dirty="0"/>
+          </a:p>
+        </p:txBody>
+      </p:sp>
+      <p:sp>
+        <p:nvSpPr>
+          <p:cNvPr id="3" name="Content Placeholder 2">
+            <a:extLst>
+              <a:ext uri="{FF2B5EF4-FFF2-40B4-BE49-F238E27FC236}">
+                <a16:creationId xmlns:a16="http://schemas.microsoft.com/office/drawing/2014/main" id="{37FA90E8-A62A-85F1-C850-33791870187D}"/>
+              </a:ext>
+            </a:extLst>
+          </p:cNvPr>
+          <p:cNvSpPr>
+            <a:spLocks noGrp="1"/>
+          </p:cNvSpPr>
+          <p:nvPr>
+            <p:ph idx="1"/>
+          </p:nvPr>
+        </p:nvSpPr>
+        <p:spPr/>
+        <p:txBody>
+          <a:bodyPr>
+            <a:normAutofit/>
+          </a:bodyPr>
+          <a:lstStyle/>
+          <a:p>
             <a:r>
               <a:rPr lang="en-US" dirty="0"/>
-              <a:t> in </a:t>
-            </a:r>
-            <a:r>
-              <a:rPr lang="en-US" dirty="0" err="1"/>
-              <a:t>splunk</a:t>
-            </a:r>
-            <a:endParaRPr lang="en-AU" dirty="0"/>
-          </a:p>
-        </p:txBody>
-      </p:sp>
-      <p:sp>
-        <p:nvSpPr>
-          <p:cNvPr id="3" name="Content Placeholder 2">
-            <a:extLst>
-              <a:ext uri="{FF2B5EF4-FFF2-40B4-BE49-F238E27FC236}">
-                <a16:creationId xmlns:a16="http://schemas.microsoft.com/office/drawing/2014/main" id="{FCC2655C-EF99-DC0E-2A74-5207095C386A}"/>
-              </a:ext>
-            </a:extLst>
-          </p:cNvPr>
-          <p:cNvSpPr>
-            <a:spLocks noGrp="1"/>
-          </p:cNvSpPr>
-          <p:nvPr>
-            <p:ph idx="1"/>
-          </p:nvPr>
-        </p:nvSpPr>
-        <p:spPr/>
-        <p:txBody>
-          <a:bodyPr/>
-          <a:lstStyle/>
-          <a:p>
-            <a:pPr marL="0" indent="0">
-              <a:buNone/>
-            </a:pPr>
+              <a:t>Logical operators are used in Splunk searches to combine or refine conditions. They make searches more precise and enable more advanced filtering logic.</a:t>
+            </a:r>
+          </a:p>
+          <a:p>
             <a:r>
               <a:rPr lang="en-US" dirty="0"/>
-              <a:t>- Creating First Baseline</a:t>
-            </a:r>
-          </a:p>
-          <a:p>
-            <a:pPr marL="0" indent="0">
-              <a:buNone/>
-            </a:pPr>
+              <a:t>Common logical operators include AND, OR, and NOT.</a:t>
+            </a:r>
+          </a:p>
+          <a:p>
+            <a:r>
+              <a:rPr lang="en-US" b="1" dirty="0"/>
+              <a:t>AND</a:t>
+            </a:r>
             <a:r>
               <a:rPr lang="en-US" dirty="0"/>
-              <a:t>index=host Artifact=“</a:t>
-            </a:r>
-            <a:r>
-              <a:rPr lang="en-US" dirty="0" err="1"/>
-              <a:t>windows.System.TaskScheduler</a:t>
+              <a:t> requires all conditions to be true (e.g., status=200 AND method=POST)</a:t>
+            </a:r>
+          </a:p>
+          <a:p>
+            <a:r>
+              <a:rPr lang="en-US" b="1" dirty="0"/>
+              <a:t>OR</a:t>
             </a:r>
             <a:r>
               <a:rPr lang="en-US" dirty="0"/>
-              <a:t>/Analysis” | table </a:t>
-            </a:r>
-            <a:r>
-              <a:rPr lang="en-US" dirty="0" err="1"/>
-              <a:t>OSPath</a:t>
+              <a:t> allows any one of multiple conditions to be true (e.g., status=200 OR status=404)</a:t>
+            </a:r>
+          </a:p>
+          <a:p>
+            <a:r>
+              <a:rPr lang="en-US" b="1" dirty="0"/>
+              <a:t>NOT</a:t>
             </a:r>
             <a:r>
               <a:rPr lang="en-US" dirty="0"/>
-              <a:t>, Command, </a:t>
-            </a:r>
-            <a:r>
-              <a:rPr lang="en-US" dirty="0" err="1"/>
-              <a:t>UserId</a:t>
-            </a:r>
-            <a:r>
-              <a:rPr lang="en-US" dirty="0"/>
-              <a:t> | </a:t>
-            </a:r>
-            <a:r>
-              <a:rPr lang="en-US" dirty="0" err="1"/>
-              <a:t>outputlookup</a:t>
-            </a:r>
-            <a:r>
-              <a:rPr lang="en-US" dirty="0"/>
-              <a:t> Scheduletask.csv</a:t>
-            </a:r>
-          </a:p>
-          <a:p>
-            <a:pPr marL="0" indent="0">
-              <a:buNone/>
-            </a:pPr>
-            <a:endParaRPr lang="en-US" dirty="0"/>
-          </a:p>
-          <a:p>
-            <a:pPr>
-              <a:buFontTx/>
-              <a:buChar char="-"/>
-            </a:pPr>
-            <a:r>
-              <a:rPr lang="en-AU" dirty="0" err="1"/>
-              <a:t>Compairing</a:t>
-            </a:r>
-            <a:r>
-              <a:rPr lang="en-AU" dirty="0"/>
-              <a:t> Baseline</a:t>
-            </a:r>
-          </a:p>
-          <a:p>
-            <a:pPr marL="0" indent="0">
-              <a:buNone/>
-            </a:pPr>
-            <a:r>
-              <a:rPr lang="en-US" dirty="0"/>
-              <a:t>index=host Artifact=“</a:t>
-            </a:r>
-            <a:r>
-              <a:rPr lang="en-US" dirty="0" err="1"/>
-              <a:t>windows.System.TaskScheduler</a:t>
-            </a:r>
-            <a:r>
-              <a:rPr lang="en-US" dirty="0"/>
-              <a:t>/Analysis” | search NOT [ </a:t>
-            </a:r>
-            <a:r>
-              <a:rPr lang="en-US" dirty="0" err="1"/>
-              <a:t>inputlookup</a:t>
-            </a:r>
-            <a:r>
-              <a:rPr lang="en-US" dirty="0"/>
-              <a:t> Scheduletask.csv | fields </a:t>
-            </a:r>
-            <a:r>
-              <a:rPr lang="en-US" dirty="0" err="1"/>
-              <a:t>OSPath</a:t>
-            </a:r>
-            <a:r>
-              <a:rPr lang="en-US" dirty="0"/>
-              <a:t>, Command]</a:t>
-            </a:r>
-            <a:endParaRPr lang="en-AU" dirty="0"/>
-          </a:p>
-          <a:p>
-            <a:pPr marL="0" indent="0">
-              <a:buNone/>
-            </a:pPr>
-            <a:endParaRPr lang="en-AU" dirty="0"/>
+              <a:t> excludes certain events from results (e.g., NOT status=200).</a:t>
+            </a:r>
           </a:p>
         </p:txBody>
       </p:sp>
     </p:spTree>
     <p:extLst>
       <p:ext uri="{BB962C8B-B14F-4D97-AF65-F5344CB8AC3E}">
-        <p14:creationId xmlns:p14="http://schemas.microsoft.com/office/powerpoint/2010/main" val="1620856156"/>
+        <p14:creationId xmlns:p14="http://schemas.microsoft.com/office/powerpoint/2010/main" val="1396224906"/>
       </p:ext>
     </p:extLst>
   </p:cSld>
@@ -3757,7 +3729,7 @@
           <p:cNvPr id="2" name="Title 1">
             <a:extLst>
               <a:ext uri="{FF2B5EF4-FFF2-40B4-BE49-F238E27FC236}">
-                <a16:creationId xmlns:a16="http://schemas.microsoft.com/office/drawing/2014/main" id="{81351749-45C6-FD57-8D7D-C4BF05C84DC2}"/>
+                <a16:creationId xmlns:a16="http://schemas.microsoft.com/office/drawing/2014/main" id="{CA480424-4DA8-E140-05EC-2213F3957420}"/>
               </a:ext>
             </a:extLst>
           </p:cNvPr>
@@ -3773,7 +3745,10 @@
           <a:bodyPr/>
           <a:lstStyle/>
           <a:p>
-            <a:endParaRPr lang="en-AU"/>
+            <a:r>
+              <a:rPr lang="en-AU" dirty="0"/>
+              <a:t>Demo Logical Operators</a:t>
+            </a:r>
           </a:p>
         </p:txBody>
       </p:sp>
@@ -3782,7 +3757,7 @@
           <p:cNvPr id="3" name="Content Placeholder 2">
             <a:extLst>
               <a:ext uri="{FF2B5EF4-FFF2-40B4-BE49-F238E27FC236}">
-                <a16:creationId xmlns:a16="http://schemas.microsoft.com/office/drawing/2014/main" id="{3588E636-B342-2FB3-2AF0-EE387D130B69}"/>
+                <a16:creationId xmlns:a16="http://schemas.microsoft.com/office/drawing/2014/main" id="{E3568E8A-F5B9-ADC2-56F8-9163DEF50641}"/>
               </a:ext>
             </a:extLst>
           </p:cNvPr>
@@ -3798,14 +3773,58 @@
           <a:bodyPr/>
           <a:lstStyle/>
           <a:p>
-            <a:endParaRPr lang="en-AU"/>
-          </a:p>
-        </p:txBody>
-      </p:sp>
+            <a:r>
+              <a:rPr lang="en-AU" dirty="0"/>
+              <a:t>Show any prefetch file which starts WU but not the string WUACLT.EXE… </a:t>
+            </a:r>
+          </a:p>
+          <a:p>
+            <a:endParaRPr lang="en-AU" dirty="0"/>
+          </a:p>
+          <a:p>
+            <a:endParaRPr lang="en-AU" dirty="0"/>
+          </a:p>
+        </p:txBody>
+      </p:sp>
+      <p:pic>
+        <p:nvPicPr>
+          <p:cNvPr id="4" name="Picture 3">
+            <a:extLst>
+              <a:ext uri="{FF2B5EF4-FFF2-40B4-BE49-F238E27FC236}">
+                <a16:creationId xmlns:a16="http://schemas.microsoft.com/office/drawing/2014/main" id="{E7216382-AEA9-CD6A-F502-CA06A160BB06}"/>
+              </a:ext>
+            </a:extLst>
+          </p:cNvPr>
+          <p:cNvPicPr>
+            <a:picLocks noChangeAspect="1"/>
+          </p:cNvPicPr>
+          <p:nvPr/>
+        </p:nvPicPr>
+        <p:blipFill>
+          <a:blip r:embed="rId2"/>
+          <a:stretch>
+            <a:fillRect/>
+          </a:stretch>
+        </p:blipFill>
+        <p:spPr>
+          <a:xfrm>
+            <a:off x="2130562" y="3493634"/>
+            <a:ext cx="7930876" cy="865490"/>
+          </a:xfrm>
+          <a:prstGeom prst="rect">
+            <a:avLst/>
+          </a:prstGeom>
+          <a:ln w="25400">
+            <a:solidFill>
+              <a:schemeClr val="tx1"/>
+            </a:solidFill>
+          </a:ln>
+        </p:spPr>
+      </p:pic>
     </p:spTree>
     <p:extLst>
       <p:ext uri="{BB962C8B-B14F-4D97-AF65-F5344CB8AC3E}">
-        <p14:creationId xmlns:p14="http://schemas.microsoft.com/office/powerpoint/2010/main" val="1105496484"/>
+        <p14:creationId xmlns:p14="http://schemas.microsoft.com/office/powerpoint/2010/main" val="3272005510"/>
       </p:ext>
     </p:extLst>
   </p:cSld>
@@ -3837,7 +3856,7 @@
           <p:cNvPr id="2" name="Title 1">
             <a:extLst>
               <a:ext uri="{FF2B5EF4-FFF2-40B4-BE49-F238E27FC236}">
-                <a16:creationId xmlns:a16="http://schemas.microsoft.com/office/drawing/2014/main" id="{2ED70B09-EF4A-77AC-7FE8-A48EAA683344}"/>
+                <a16:creationId xmlns:a16="http://schemas.microsoft.com/office/drawing/2014/main" id="{3277F18B-D20D-3CF4-4536-CB6C1E9817DE}"/>
               </a:ext>
             </a:extLst>
           </p:cNvPr>
@@ -3854,10 +3873,9 @@
           <a:lstStyle/>
           <a:p>
             <a:r>
-              <a:rPr lang="en-US" dirty="0"/>
-              <a:t>Lab 3</a:t>
-            </a:r>
-            <a:endParaRPr lang="en-AU" dirty="0"/>
+              <a:rPr lang="en-AU" dirty="0"/>
+              <a:t>Lab Logical Operators</a:t>
+            </a:r>
           </a:p>
         </p:txBody>
       </p:sp>
@@ -3866,7 +3884,7 @@
           <p:cNvPr id="3" name="Content Placeholder 2">
             <a:extLst>
               <a:ext uri="{FF2B5EF4-FFF2-40B4-BE49-F238E27FC236}">
-                <a16:creationId xmlns:a16="http://schemas.microsoft.com/office/drawing/2014/main" id="{4EE599E3-AADA-83DD-BE9E-4899372BCB33}"/>
+                <a16:creationId xmlns:a16="http://schemas.microsoft.com/office/drawing/2014/main" id="{4B620310-7183-0779-DFC8-6378F4D70816}"/>
               </a:ext>
             </a:extLst>
           </p:cNvPr>
@@ -3883,25 +3901,825 @@
           <a:lstStyle/>
           <a:p>
             <a:r>
-              <a:rPr lang="en-US" dirty="0"/>
-              <a:t>Make a </a:t>
-            </a:r>
-            <a:r>
-              <a:rPr lang="en-US" dirty="0" err="1"/>
-              <a:t>basdic</a:t>
-            </a:r>
-            <a:r>
-              <a:rPr lang="en-US" dirty="0"/>
-              <a:t> baseline dashboard?</a:t>
-            </a:r>
-            <a:endParaRPr lang="en-AU" dirty="0"/>
+              <a:rPr lang="en-AU" dirty="0"/>
+              <a:t>Using the </a:t>
+            </a:r>
+            <a:r>
+              <a:rPr lang="en-AU" dirty="0" err="1"/>
+              <a:t>sourcetype</a:t>
+            </a:r>
+            <a:r>
+              <a:rPr lang="en-AU" dirty="0"/>
+              <a:t> </a:t>
+            </a:r>
+            <a:r>
+              <a:rPr lang="en-AU" dirty="0" err="1"/>
+              <a:t>pslist.json</a:t>
+            </a:r>
+            <a:r>
+              <a:rPr lang="en-AU" dirty="0"/>
+              <a:t> how many events contain  chrome.exe and backdoor.exe in the Exe field</a:t>
+            </a:r>
           </a:p>
         </p:txBody>
       </p:sp>
     </p:spTree>
     <p:extLst>
       <p:ext uri="{BB962C8B-B14F-4D97-AF65-F5344CB8AC3E}">
-        <p14:creationId xmlns:p14="http://schemas.microsoft.com/office/powerpoint/2010/main" val="3443502770"/>
+        <p14:creationId xmlns:p14="http://schemas.microsoft.com/office/powerpoint/2010/main" val="1888692794"/>
+      </p:ext>
+    </p:extLst>
+  </p:cSld>
+  <p:clrMapOvr>
+    <a:masterClrMapping/>
+  </p:clrMapOvr>
+</p:sld>
+</file>
+
+<file path=ppt/slides/slide14.xml><?xml version="1.0" encoding="utf-8"?>
+<p:sld xmlns:a="http://schemas.openxmlformats.org/drawingml/2006/main" xmlns:r="http://schemas.openxmlformats.org/officeDocument/2006/relationships" xmlns:p="http://schemas.openxmlformats.org/presentationml/2006/main">
+  <p:cSld>
+    <p:spTree>
+      <p:nvGrpSpPr>
+        <p:cNvPr id="1" name=""/>
+        <p:cNvGrpSpPr/>
+        <p:nvPr/>
+      </p:nvGrpSpPr>
+      <p:grpSpPr>
+        <a:xfrm>
+          <a:off x="0" y="0"/>
+          <a:ext cx="0" cy="0"/>
+          <a:chOff x="0" y="0"/>
+          <a:chExt cx="0" cy="0"/>
+        </a:xfrm>
+      </p:grpSpPr>
+      <p:sp>
+        <p:nvSpPr>
+          <p:cNvPr id="2" name="Title 1">
+            <a:extLst>
+              <a:ext uri="{FF2B5EF4-FFF2-40B4-BE49-F238E27FC236}">
+                <a16:creationId xmlns:a16="http://schemas.microsoft.com/office/drawing/2014/main" id="{311C424B-4F60-03EA-57A9-C4318A90D1A8}"/>
+              </a:ext>
+            </a:extLst>
+          </p:cNvPr>
+          <p:cNvSpPr>
+            <a:spLocks noGrp="1"/>
+          </p:cNvSpPr>
+          <p:nvPr>
+            <p:ph type="title"/>
+          </p:nvPr>
+        </p:nvSpPr>
+        <p:spPr/>
+        <p:txBody>
+          <a:bodyPr/>
+          <a:lstStyle/>
+          <a:p>
+            <a:r>
+              <a:rPr lang="en-AU" dirty="0"/>
+              <a:t>Regex in </a:t>
+            </a:r>
+            <a:r>
+              <a:rPr lang="en-AU" dirty="0" err="1"/>
+              <a:t>splunk</a:t>
+            </a:r>
+            <a:endParaRPr lang="en-AU" dirty="0"/>
+          </a:p>
+        </p:txBody>
+      </p:sp>
+      <p:sp>
+        <p:nvSpPr>
+          <p:cNvPr id="3" name="Content Placeholder 2">
+            <a:extLst>
+              <a:ext uri="{FF2B5EF4-FFF2-40B4-BE49-F238E27FC236}">
+                <a16:creationId xmlns:a16="http://schemas.microsoft.com/office/drawing/2014/main" id="{0BE113D1-625D-E148-8A2F-8E8922728008}"/>
+              </a:ext>
+            </a:extLst>
+          </p:cNvPr>
+          <p:cNvSpPr>
+            <a:spLocks noGrp="1"/>
+          </p:cNvSpPr>
+          <p:nvPr>
+            <p:ph idx="1"/>
+          </p:nvPr>
+        </p:nvSpPr>
+        <p:spPr/>
+        <p:txBody>
+          <a:bodyPr/>
+          <a:lstStyle/>
+          <a:p>
+            <a:r>
+              <a:rPr lang="en-AU" dirty="0"/>
+              <a:t>If your events has too many strings where it is not able to properly extract values, you can regex events to get better filters. </a:t>
+            </a:r>
+          </a:p>
+          <a:p>
+            <a:pPr marL="0" indent="0">
+              <a:buNone/>
+            </a:pPr>
+            <a:endParaRPr lang="en-AU" dirty="0"/>
+          </a:p>
+          <a:p>
+            <a:r>
+              <a:rPr lang="en-AU" dirty="0"/>
+              <a:t>If your not strong with regex its okay AI is your best friend.</a:t>
+            </a:r>
+          </a:p>
+          <a:p>
+            <a:endParaRPr lang="en-AU" dirty="0"/>
+          </a:p>
+          <a:p>
+            <a:r>
+              <a:rPr lang="en-AU" dirty="0"/>
+              <a:t>If you want to see more regex examples look at the </a:t>
+            </a:r>
+            <a:r>
+              <a:rPr lang="en-AU" dirty="0" err="1"/>
+              <a:t>splunk</a:t>
+            </a:r>
+            <a:r>
+              <a:rPr lang="en-AU" dirty="0"/>
+              <a:t> Lab demo for more complicated regex queries</a:t>
+            </a:r>
+          </a:p>
+        </p:txBody>
+      </p:sp>
+    </p:spTree>
+    <p:extLst>
+      <p:ext uri="{BB962C8B-B14F-4D97-AF65-F5344CB8AC3E}">
+        <p14:creationId xmlns:p14="http://schemas.microsoft.com/office/powerpoint/2010/main" val="2712621605"/>
+      </p:ext>
+    </p:extLst>
+  </p:cSld>
+  <p:clrMapOvr>
+    <a:masterClrMapping/>
+  </p:clrMapOvr>
+</p:sld>
+</file>
+
+<file path=ppt/slides/slide15.xml><?xml version="1.0" encoding="utf-8"?>
+<p:sld xmlns:a="http://schemas.openxmlformats.org/drawingml/2006/main" xmlns:r="http://schemas.openxmlformats.org/officeDocument/2006/relationships" xmlns:p="http://schemas.openxmlformats.org/presentationml/2006/main">
+  <p:cSld>
+    <p:spTree>
+      <p:nvGrpSpPr>
+        <p:cNvPr id="1" name=""/>
+        <p:cNvGrpSpPr/>
+        <p:nvPr/>
+      </p:nvGrpSpPr>
+      <p:grpSpPr>
+        <a:xfrm>
+          <a:off x="0" y="0"/>
+          <a:ext cx="0" cy="0"/>
+          <a:chOff x="0" y="0"/>
+          <a:chExt cx="0" cy="0"/>
+        </a:xfrm>
+      </p:grpSpPr>
+      <p:sp>
+        <p:nvSpPr>
+          <p:cNvPr id="2" name="Title 1">
+            <a:extLst>
+              <a:ext uri="{FF2B5EF4-FFF2-40B4-BE49-F238E27FC236}">
+                <a16:creationId xmlns:a16="http://schemas.microsoft.com/office/drawing/2014/main" id="{D806CF57-0E44-E153-E9AD-741B7CFDB4ED}"/>
+              </a:ext>
+            </a:extLst>
+          </p:cNvPr>
+          <p:cNvSpPr>
+            <a:spLocks noGrp="1"/>
+          </p:cNvSpPr>
+          <p:nvPr>
+            <p:ph type="title"/>
+          </p:nvPr>
+        </p:nvSpPr>
+        <p:spPr/>
+        <p:txBody>
+          <a:bodyPr/>
+          <a:lstStyle/>
+          <a:p>
+            <a:r>
+              <a:rPr lang="en-AU" dirty="0"/>
+              <a:t>Demo regex</a:t>
+            </a:r>
+          </a:p>
+        </p:txBody>
+      </p:sp>
+      <p:sp>
+        <p:nvSpPr>
+          <p:cNvPr id="3" name="Content Placeholder 2">
+            <a:extLst>
+              <a:ext uri="{FF2B5EF4-FFF2-40B4-BE49-F238E27FC236}">
+                <a16:creationId xmlns:a16="http://schemas.microsoft.com/office/drawing/2014/main" id="{C5DE2728-F8BE-2E96-0A43-3C9C89C19681}"/>
+              </a:ext>
+            </a:extLst>
+          </p:cNvPr>
+          <p:cNvSpPr>
+            <a:spLocks noGrp="1"/>
+          </p:cNvSpPr>
+          <p:nvPr>
+            <p:ph idx="1"/>
+          </p:nvPr>
+        </p:nvSpPr>
+        <p:spPr/>
+        <p:txBody>
+          <a:bodyPr/>
+          <a:lstStyle/>
+          <a:p>
+            <a:r>
+              <a:rPr lang="en-AU" dirty="0"/>
+              <a:t>Show any events that contain the computer name with the string HCM</a:t>
+            </a:r>
+          </a:p>
+          <a:p>
+            <a:endParaRPr lang="en-AU" dirty="0"/>
+          </a:p>
+          <a:p>
+            <a:pPr marL="0" indent="0">
+              <a:buNone/>
+            </a:pPr>
+            <a:endParaRPr lang="en-AU" dirty="0"/>
+          </a:p>
+        </p:txBody>
+      </p:sp>
+      <p:pic>
+        <p:nvPicPr>
+          <p:cNvPr id="4" name="Picture 3">
+            <a:extLst>
+              <a:ext uri="{FF2B5EF4-FFF2-40B4-BE49-F238E27FC236}">
+                <a16:creationId xmlns:a16="http://schemas.microsoft.com/office/drawing/2014/main" id="{15270B2D-A706-E811-5589-BBC5BD3AF602}"/>
+              </a:ext>
+            </a:extLst>
+          </p:cNvPr>
+          <p:cNvPicPr>
+            <a:picLocks noChangeAspect="1"/>
+          </p:cNvPicPr>
+          <p:nvPr/>
+        </p:nvPicPr>
+        <p:blipFill>
+          <a:blip r:embed="rId2"/>
+          <a:stretch>
+            <a:fillRect/>
+          </a:stretch>
+        </p:blipFill>
+        <p:spPr>
+          <a:xfrm>
+            <a:off x="3112471" y="3429000"/>
+            <a:ext cx="5967058" cy="1682486"/>
+          </a:xfrm>
+          <a:prstGeom prst="rect">
+            <a:avLst/>
+          </a:prstGeom>
+          <a:ln w="25400">
+            <a:solidFill>
+              <a:schemeClr val="tx1"/>
+            </a:solidFill>
+          </a:ln>
+        </p:spPr>
+      </p:pic>
+    </p:spTree>
+    <p:extLst>
+      <p:ext uri="{BB962C8B-B14F-4D97-AF65-F5344CB8AC3E}">
+        <p14:creationId xmlns:p14="http://schemas.microsoft.com/office/powerpoint/2010/main" val="2312635054"/>
+      </p:ext>
+    </p:extLst>
+  </p:cSld>
+  <p:clrMapOvr>
+    <a:masterClrMapping/>
+  </p:clrMapOvr>
+</p:sld>
+</file>
+
+<file path=ppt/slides/slide16.xml><?xml version="1.0" encoding="utf-8"?>
+<p:sld xmlns:a="http://schemas.openxmlformats.org/drawingml/2006/main" xmlns:r="http://schemas.openxmlformats.org/officeDocument/2006/relationships" xmlns:p="http://schemas.openxmlformats.org/presentationml/2006/main">
+  <p:cSld>
+    <p:spTree>
+      <p:nvGrpSpPr>
+        <p:cNvPr id="1" name=""/>
+        <p:cNvGrpSpPr/>
+        <p:nvPr/>
+      </p:nvGrpSpPr>
+      <p:grpSpPr>
+        <a:xfrm>
+          <a:off x="0" y="0"/>
+          <a:ext cx="0" cy="0"/>
+          <a:chOff x="0" y="0"/>
+          <a:chExt cx="0" cy="0"/>
+        </a:xfrm>
+      </p:grpSpPr>
+      <p:sp>
+        <p:nvSpPr>
+          <p:cNvPr id="2" name="Title 1">
+            <a:extLst>
+              <a:ext uri="{FF2B5EF4-FFF2-40B4-BE49-F238E27FC236}">
+                <a16:creationId xmlns:a16="http://schemas.microsoft.com/office/drawing/2014/main" id="{B881D264-8733-0EF3-C8CC-B7A375921B77}"/>
+              </a:ext>
+            </a:extLst>
+          </p:cNvPr>
+          <p:cNvSpPr>
+            <a:spLocks noGrp="1"/>
+          </p:cNvSpPr>
+          <p:nvPr>
+            <p:ph type="title"/>
+          </p:nvPr>
+        </p:nvSpPr>
+        <p:spPr/>
+        <p:txBody>
+          <a:bodyPr/>
+          <a:lstStyle/>
+          <a:p>
+            <a:r>
+              <a:rPr lang="en-AU" dirty="0"/>
+              <a:t>Baselining</a:t>
+            </a:r>
+          </a:p>
+        </p:txBody>
+      </p:sp>
+      <p:sp>
+        <p:nvSpPr>
+          <p:cNvPr id="3" name="Content Placeholder 2">
+            <a:extLst>
+              <a:ext uri="{FF2B5EF4-FFF2-40B4-BE49-F238E27FC236}">
+                <a16:creationId xmlns:a16="http://schemas.microsoft.com/office/drawing/2014/main" id="{B92AC551-11EA-69E8-93ED-42FC9CDCC07B}"/>
+              </a:ext>
+            </a:extLst>
+          </p:cNvPr>
+          <p:cNvSpPr>
+            <a:spLocks noGrp="1"/>
+          </p:cNvSpPr>
+          <p:nvPr>
+            <p:ph idx="1"/>
+          </p:nvPr>
+        </p:nvSpPr>
+        <p:spPr/>
+        <p:txBody>
+          <a:bodyPr/>
+          <a:lstStyle/>
+          <a:p>
+            <a:r>
+              <a:rPr lang="en-AU" dirty="0"/>
+              <a:t>Whenever you go to a network the first step you conduct is a baseline. </a:t>
+            </a:r>
+          </a:p>
+          <a:p>
+            <a:endParaRPr lang="en-AU" dirty="0"/>
+          </a:p>
+          <a:p>
+            <a:r>
+              <a:rPr lang="en-AU" dirty="0"/>
+              <a:t>In </a:t>
+            </a:r>
+            <a:r>
+              <a:rPr lang="en-AU" dirty="0" err="1"/>
+              <a:t>splunk</a:t>
+            </a:r>
+            <a:r>
+              <a:rPr lang="en-AU" dirty="0"/>
+              <a:t> you are able to get services, schedule task and other artefacts and baseline them. </a:t>
+            </a:r>
+          </a:p>
+          <a:p>
+            <a:endParaRPr lang="en-AU" dirty="0"/>
+          </a:p>
+          <a:p>
+            <a:r>
+              <a:rPr lang="en-AU" dirty="0"/>
+              <a:t>You can do this by making CSV and for future searches you compare the output to the CSV any new unique events will flag it. </a:t>
+            </a:r>
+          </a:p>
+        </p:txBody>
+      </p:sp>
+    </p:spTree>
+    <p:extLst>
+      <p:ext uri="{BB962C8B-B14F-4D97-AF65-F5344CB8AC3E}">
+        <p14:creationId xmlns:p14="http://schemas.microsoft.com/office/powerpoint/2010/main" val="1719264778"/>
+      </p:ext>
+    </p:extLst>
+  </p:cSld>
+  <p:clrMapOvr>
+    <a:masterClrMapping/>
+  </p:clrMapOvr>
+</p:sld>
+</file>
+
+<file path=ppt/slides/slide17.xml><?xml version="1.0" encoding="utf-8"?>
+<p:sld xmlns:a="http://schemas.openxmlformats.org/drawingml/2006/main" xmlns:r="http://schemas.openxmlformats.org/officeDocument/2006/relationships" xmlns:p="http://schemas.openxmlformats.org/presentationml/2006/main">
+  <p:cSld>
+    <p:spTree>
+      <p:nvGrpSpPr>
+        <p:cNvPr id="1" name=""/>
+        <p:cNvGrpSpPr/>
+        <p:nvPr/>
+      </p:nvGrpSpPr>
+      <p:grpSpPr>
+        <a:xfrm>
+          <a:off x="0" y="0"/>
+          <a:ext cx="0" cy="0"/>
+          <a:chOff x="0" y="0"/>
+          <a:chExt cx="0" cy="0"/>
+        </a:xfrm>
+      </p:grpSpPr>
+      <p:sp>
+        <p:nvSpPr>
+          <p:cNvPr id="2" name="Title 1">
+            <a:extLst>
+              <a:ext uri="{FF2B5EF4-FFF2-40B4-BE49-F238E27FC236}">
+                <a16:creationId xmlns:a16="http://schemas.microsoft.com/office/drawing/2014/main" id="{43B2F14E-AE11-45B2-ADA3-45181DBB5FBD}"/>
+              </a:ext>
+            </a:extLst>
+          </p:cNvPr>
+          <p:cNvSpPr>
+            <a:spLocks noGrp="1"/>
+          </p:cNvSpPr>
+          <p:nvPr>
+            <p:ph type="title"/>
+          </p:nvPr>
+        </p:nvSpPr>
+        <p:spPr/>
+        <p:txBody>
+          <a:bodyPr/>
+          <a:lstStyle/>
+          <a:p>
+            <a:r>
+              <a:rPr lang="en-AU" dirty="0"/>
+              <a:t>Demo Baseline</a:t>
+            </a:r>
+          </a:p>
+        </p:txBody>
+      </p:sp>
+      <p:sp>
+        <p:nvSpPr>
+          <p:cNvPr id="3" name="Content Placeholder 2">
+            <a:extLst>
+              <a:ext uri="{FF2B5EF4-FFF2-40B4-BE49-F238E27FC236}">
+                <a16:creationId xmlns:a16="http://schemas.microsoft.com/office/drawing/2014/main" id="{E2711016-C1F9-AB78-C1DD-85DE27715244}"/>
+              </a:ext>
+            </a:extLst>
+          </p:cNvPr>
+          <p:cNvSpPr>
+            <a:spLocks noGrp="1"/>
+          </p:cNvSpPr>
+          <p:nvPr>
+            <p:ph idx="1"/>
+          </p:nvPr>
+        </p:nvSpPr>
+        <p:spPr/>
+        <p:txBody>
+          <a:bodyPr/>
+          <a:lstStyle/>
+          <a:p>
+            <a:r>
+              <a:rPr lang="en-AU" dirty="0"/>
+              <a:t>Making the CSV and the </a:t>
+            </a:r>
+            <a:r>
+              <a:rPr lang="en-AU" dirty="0" err="1"/>
+              <a:t>Computename</a:t>
+            </a:r>
+            <a:r>
+              <a:rPr lang="en-AU" dirty="0"/>
+              <a:t> and command</a:t>
+            </a:r>
+          </a:p>
+          <a:p>
+            <a:endParaRPr lang="en-AU" dirty="0"/>
+          </a:p>
+          <a:p>
+            <a:endParaRPr lang="en-AU" dirty="0"/>
+          </a:p>
+          <a:p>
+            <a:endParaRPr lang="en-AU" dirty="0"/>
+          </a:p>
+          <a:p>
+            <a:r>
+              <a:rPr lang="en-AU" dirty="0"/>
+              <a:t>Show where to see the json_host.csv file</a:t>
+            </a:r>
+          </a:p>
+          <a:p>
+            <a:r>
+              <a:rPr lang="en-AU" dirty="0"/>
+              <a:t>Compare the csv with latest filters</a:t>
+            </a:r>
+          </a:p>
+          <a:p>
+            <a:endParaRPr lang="en-AU" dirty="0"/>
+          </a:p>
+          <a:p>
+            <a:endParaRPr lang="en-AU" dirty="0"/>
+          </a:p>
+        </p:txBody>
+      </p:sp>
+      <p:pic>
+        <p:nvPicPr>
+          <p:cNvPr id="4" name="Picture 3">
+            <a:extLst>
+              <a:ext uri="{FF2B5EF4-FFF2-40B4-BE49-F238E27FC236}">
+                <a16:creationId xmlns:a16="http://schemas.microsoft.com/office/drawing/2014/main" id="{B67AA05B-895E-2334-B3F3-396EF4B60BF9}"/>
+              </a:ext>
+            </a:extLst>
+          </p:cNvPr>
+          <p:cNvPicPr>
+            <a:picLocks noChangeAspect="1"/>
+          </p:cNvPicPr>
+          <p:nvPr/>
+        </p:nvPicPr>
+        <p:blipFill>
+          <a:blip r:embed="rId2"/>
+          <a:stretch>
+            <a:fillRect/>
+          </a:stretch>
+        </p:blipFill>
+        <p:spPr>
+          <a:xfrm>
+            <a:off x="3264112" y="2743049"/>
+            <a:ext cx="5731510" cy="742950"/>
+          </a:xfrm>
+          <a:prstGeom prst="rect">
+            <a:avLst/>
+          </a:prstGeom>
+          <a:ln w="25400">
+            <a:solidFill>
+              <a:schemeClr val="tx1"/>
+            </a:solidFill>
+          </a:ln>
+        </p:spPr>
+      </p:pic>
+      <p:pic>
+        <p:nvPicPr>
+          <p:cNvPr id="5" name="Picture 4">
+            <a:extLst>
+              <a:ext uri="{FF2B5EF4-FFF2-40B4-BE49-F238E27FC236}">
+                <a16:creationId xmlns:a16="http://schemas.microsoft.com/office/drawing/2014/main" id="{3A193AB3-06D1-A3BA-8162-B809D05EAC3D}"/>
+              </a:ext>
+            </a:extLst>
+          </p:cNvPr>
+          <p:cNvPicPr>
+            <a:picLocks noChangeAspect="1"/>
+          </p:cNvPicPr>
+          <p:nvPr/>
+        </p:nvPicPr>
+        <p:blipFill>
+          <a:blip r:embed="rId3"/>
+          <a:stretch>
+            <a:fillRect/>
+          </a:stretch>
+        </p:blipFill>
+        <p:spPr>
+          <a:xfrm>
+            <a:off x="2864922" y="5222889"/>
+            <a:ext cx="7161214" cy="800539"/>
+          </a:xfrm>
+          <a:prstGeom prst="rect">
+            <a:avLst/>
+          </a:prstGeom>
+          <a:ln w="25400">
+            <a:solidFill>
+              <a:schemeClr val="tx1"/>
+            </a:solidFill>
+          </a:ln>
+        </p:spPr>
+      </p:pic>
+    </p:spTree>
+    <p:extLst>
+      <p:ext uri="{BB962C8B-B14F-4D97-AF65-F5344CB8AC3E}">
+        <p14:creationId xmlns:p14="http://schemas.microsoft.com/office/powerpoint/2010/main" val="3710649425"/>
+      </p:ext>
+    </p:extLst>
+  </p:cSld>
+  <p:clrMapOvr>
+    <a:masterClrMapping/>
+  </p:clrMapOvr>
+</p:sld>
+</file>
+
+<file path=ppt/slides/slide18.xml><?xml version="1.0" encoding="utf-8"?>
+<p:sld xmlns:a="http://schemas.openxmlformats.org/drawingml/2006/main" xmlns:r="http://schemas.openxmlformats.org/officeDocument/2006/relationships" xmlns:p="http://schemas.openxmlformats.org/presentationml/2006/main">
+  <p:cSld>
+    <p:spTree>
+      <p:nvGrpSpPr>
+        <p:cNvPr id="1" name=""/>
+        <p:cNvGrpSpPr/>
+        <p:nvPr/>
+      </p:nvGrpSpPr>
+      <p:grpSpPr>
+        <a:xfrm>
+          <a:off x="0" y="0"/>
+          <a:ext cx="0" cy="0"/>
+          <a:chOff x="0" y="0"/>
+          <a:chExt cx="0" cy="0"/>
+        </a:xfrm>
+      </p:grpSpPr>
+      <p:sp>
+        <p:nvSpPr>
+          <p:cNvPr id="2" name="Title 1">
+            <a:extLst>
+              <a:ext uri="{FF2B5EF4-FFF2-40B4-BE49-F238E27FC236}">
+                <a16:creationId xmlns:a16="http://schemas.microsoft.com/office/drawing/2014/main" id="{9C489B2A-9BEC-64C5-305C-30946A11ECC2}"/>
+              </a:ext>
+            </a:extLst>
+          </p:cNvPr>
+          <p:cNvSpPr>
+            <a:spLocks noGrp="1"/>
+          </p:cNvSpPr>
+          <p:nvPr>
+            <p:ph type="title"/>
+          </p:nvPr>
+        </p:nvSpPr>
+        <p:spPr/>
+        <p:txBody>
+          <a:bodyPr/>
+          <a:lstStyle/>
+          <a:p>
+            <a:r>
+              <a:rPr lang="en-AU" dirty="0"/>
+              <a:t>Lab Baseline</a:t>
+            </a:r>
+          </a:p>
+        </p:txBody>
+      </p:sp>
+      <p:sp>
+        <p:nvSpPr>
+          <p:cNvPr id="3" name="Content Placeholder 2">
+            <a:extLst>
+              <a:ext uri="{FF2B5EF4-FFF2-40B4-BE49-F238E27FC236}">
+                <a16:creationId xmlns:a16="http://schemas.microsoft.com/office/drawing/2014/main" id="{205DF493-2E66-C567-FD48-BA0804EB10B6}"/>
+              </a:ext>
+            </a:extLst>
+          </p:cNvPr>
+          <p:cNvSpPr>
+            <a:spLocks noGrp="1"/>
+          </p:cNvSpPr>
+          <p:nvPr>
+            <p:ph idx="1"/>
+          </p:nvPr>
+        </p:nvSpPr>
+        <p:spPr/>
+        <p:txBody>
+          <a:bodyPr/>
+          <a:lstStyle/>
+          <a:p>
+            <a:r>
+              <a:rPr lang="en-AU" dirty="0"/>
+              <a:t>Make a baseline on any of the sources you currently have.</a:t>
+            </a:r>
+          </a:p>
+          <a:p>
+            <a:pPr marL="0" indent="0">
+              <a:buNone/>
+            </a:pPr>
+            <a:endParaRPr lang="en-AU" dirty="0"/>
+          </a:p>
+          <a:p>
+            <a:r>
+              <a:rPr lang="en-AU" dirty="0"/>
+              <a:t>Using the commands in the previous slide figure out how to make the CSV and test it. </a:t>
+            </a:r>
+          </a:p>
+        </p:txBody>
+      </p:sp>
+    </p:spTree>
+    <p:extLst>
+      <p:ext uri="{BB962C8B-B14F-4D97-AF65-F5344CB8AC3E}">
+        <p14:creationId xmlns:p14="http://schemas.microsoft.com/office/powerpoint/2010/main" val="2105736056"/>
+      </p:ext>
+    </p:extLst>
+  </p:cSld>
+  <p:clrMapOvr>
+    <a:masterClrMapping/>
+  </p:clrMapOvr>
+</p:sld>
+</file>
+
+<file path=ppt/slides/slide19.xml><?xml version="1.0" encoding="utf-8"?>
+<p:sld xmlns:a="http://schemas.openxmlformats.org/drawingml/2006/main" xmlns:r="http://schemas.openxmlformats.org/officeDocument/2006/relationships" xmlns:p="http://schemas.openxmlformats.org/presentationml/2006/main">
+  <p:cSld>
+    <p:spTree>
+      <p:nvGrpSpPr>
+        <p:cNvPr id="1" name=""/>
+        <p:cNvGrpSpPr/>
+        <p:nvPr/>
+      </p:nvGrpSpPr>
+      <p:grpSpPr>
+        <a:xfrm>
+          <a:off x="0" y="0"/>
+          <a:ext cx="0" cy="0"/>
+          <a:chOff x="0" y="0"/>
+          <a:chExt cx="0" cy="0"/>
+        </a:xfrm>
+      </p:grpSpPr>
+      <p:sp>
+        <p:nvSpPr>
+          <p:cNvPr id="2" name="Title 1">
+            <a:extLst>
+              <a:ext uri="{FF2B5EF4-FFF2-40B4-BE49-F238E27FC236}">
+                <a16:creationId xmlns:a16="http://schemas.microsoft.com/office/drawing/2014/main" id="{8E7A6994-1E0E-48A5-9938-3C665347D46B}"/>
+              </a:ext>
+            </a:extLst>
+          </p:cNvPr>
+          <p:cNvSpPr>
+            <a:spLocks noGrp="1"/>
+          </p:cNvSpPr>
+          <p:nvPr>
+            <p:ph type="title"/>
+          </p:nvPr>
+        </p:nvSpPr>
+        <p:spPr/>
+        <p:txBody>
+          <a:bodyPr/>
+          <a:lstStyle/>
+          <a:p>
+            <a:r>
+              <a:rPr lang="en-US" dirty="0"/>
+              <a:t>Dashboarding in Splunk</a:t>
+            </a:r>
+            <a:endParaRPr lang="en-AU" dirty="0"/>
+          </a:p>
+        </p:txBody>
+      </p:sp>
+      <p:sp>
+        <p:nvSpPr>
+          <p:cNvPr id="3" name="Content Placeholder 2">
+            <a:extLst>
+              <a:ext uri="{FF2B5EF4-FFF2-40B4-BE49-F238E27FC236}">
+                <a16:creationId xmlns:a16="http://schemas.microsoft.com/office/drawing/2014/main" id="{28D6F99C-145C-D717-1968-A1A606F3CD28}"/>
+              </a:ext>
+            </a:extLst>
+          </p:cNvPr>
+          <p:cNvSpPr>
+            <a:spLocks noGrp="1"/>
+          </p:cNvSpPr>
+          <p:nvPr>
+            <p:ph idx="1"/>
+          </p:nvPr>
+        </p:nvSpPr>
+        <p:spPr/>
+        <p:txBody>
+          <a:bodyPr>
+            <a:normAutofit/>
+          </a:bodyPr>
+          <a:lstStyle/>
+          <a:p>
+            <a:r>
+              <a:rPr lang="en-US" dirty="0"/>
+              <a:t>Dashboards are commonly used to display critical information quickly and clearly.</a:t>
+            </a:r>
+          </a:p>
+          <a:p>
+            <a:r>
+              <a:rPr lang="en-US" dirty="0"/>
+              <a:t>Dashboards can also be used to help drill down on important data for further analysis.</a:t>
+            </a:r>
+          </a:p>
+          <a:p>
+            <a:r>
+              <a:rPr lang="en-US" dirty="0"/>
+              <a:t>Dashboards are very useful in creating baselines to help determine what is and isn’t normal on a network.</a:t>
+            </a:r>
+          </a:p>
+          <a:p>
+            <a:pPr marL="0" indent="0">
+              <a:buNone/>
+            </a:pPr>
+            <a:endParaRPr lang="en-AU" dirty="0"/>
+          </a:p>
+        </p:txBody>
+      </p:sp>
+      <p:pic>
+        <p:nvPicPr>
+          <p:cNvPr id="5" name="Picture 4">
+            <a:extLst>
+              <a:ext uri="{FF2B5EF4-FFF2-40B4-BE49-F238E27FC236}">
+                <a16:creationId xmlns:a16="http://schemas.microsoft.com/office/drawing/2014/main" id="{966BB166-1D1A-5AED-3AF2-EDEAC0F53F72}"/>
+              </a:ext>
+            </a:extLst>
+          </p:cNvPr>
+          <p:cNvPicPr>
+            <a:picLocks noChangeAspect="1"/>
+          </p:cNvPicPr>
+          <p:nvPr/>
+        </p:nvPicPr>
+        <p:blipFill>
+          <a:blip r:embed="rId2"/>
+          <a:stretch>
+            <a:fillRect/>
+          </a:stretch>
+        </p:blipFill>
+        <p:spPr>
+          <a:xfrm>
+            <a:off x="-9656" y="4775200"/>
+            <a:ext cx="12161899" cy="1822174"/>
+          </a:xfrm>
+          <a:prstGeom prst="rect">
+            <a:avLst/>
+          </a:prstGeom>
+          <a:ln w="38100">
+            <a:solidFill>
+              <a:schemeClr val="tx1"/>
+            </a:solidFill>
+          </a:ln>
+        </p:spPr>
+      </p:pic>
+    </p:spTree>
+    <p:extLst>
+      <p:ext uri="{BB962C8B-B14F-4D97-AF65-F5344CB8AC3E}">
+        <p14:creationId xmlns:p14="http://schemas.microsoft.com/office/powerpoint/2010/main" val="2918504299"/>
       </p:ext>
     </p:extLst>
   </p:cSld>
@@ -4022,6 +4840,186 @@
 </p:sld>
 </file>
 
+<file path=ppt/slides/slide20.xml><?xml version="1.0" encoding="utf-8"?>
+<p:sld xmlns:a="http://schemas.openxmlformats.org/drawingml/2006/main" xmlns:r="http://schemas.openxmlformats.org/officeDocument/2006/relationships" xmlns:p="http://schemas.openxmlformats.org/presentationml/2006/main">
+  <p:cSld>
+    <p:spTree>
+      <p:nvGrpSpPr>
+        <p:cNvPr id="1" name=""/>
+        <p:cNvGrpSpPr/>
+        <p:nvPr/>
+      </p:nvGrpSpPr>
+      <p:grpSpPr>
+        <a:xfrm>
+          <a:off x="0" y="0"/>
+          <a:ext cx="0" cy="0"/>
+          <a:chOff x="0" y="0"/>
+          <a:chExt cx="0" cy="0"/>
+        </a:xfrm>
+      </p:grpSpPr>
+      <p:sp>
+        <p:nvSpPr>
+          <p:cNvPr id="2" name="Title 1">
+            <a:extLst>
+              <a:ext uri="{FF2B5EF4-FFF2-40B4-BE49-F238E27FC236}">
+                <a16:creationId xmlns:a16="http://schemas.microsoft.com/office/drawing/2014/main" id="{86905A66-7EF6-64F4-0942-436BBF0ACAF6}"/>
+              </a:ext>
+            </a:extLst>
+          </p:cNvPr>
+          <p:cNvSpPr>
+            <a:spLocks noGrp="1"/>
+          </p:cNvSpPr>
+          <p:nvPr>
+            <p:ph type="title"/>
+          </p:nvPr>
+        </p:nvSpPr>
+        <p:spPr/>
+        <p:txBody>
+          <a:bodyPr/>
+          <a:lstStyle/>
+          <a:p>
+            <a:r>
+              <a:rPr lang="en-AU" dirty="0"/>
+              <a:t>Demo Making a </a:t>
+            </a:r>
+            <a:r>
+              <a:rPr lang="en-AU" dirty="0" err="1"/>
+              <a:t>splunk</a:t>
+            </a:r>
+            <a:r>
+              <a:rPr lang="en-AU" dirty="0"/>
+              <a:t> dashboard</a:t>
+            </a:r>
+          </a:p>
+        </p:txBody>
+      </p:sp>
+      <p:sp>
+        <p:nvSpPr>
+          <p:cNvPr id="3" name="Content Placeholder 2">
+            <a:extLst>
+              <a:ext uri="{FF2B5EF4-FFF2-40B4-BE49-F238E27FC236}">
+                <a16:creationId xmlns:a16="http://schemas.microsoft.com/office/drawing/2014/main" id="{3C3C51D1-1BF4-41F4-0300-EA87C364F26B}"/>
+              </a:ext>
+            </a:extLst>
+          </p:cNvPr>
+          <p:cNvSpPr>
+            <a:spLocks noGrp="1"/>
+          </p:cNvSpPr>
+          <p:nvPr>
+            <p:ph idx="1"/>
+          </p:nvPr>
+        </p:nvSpPr>
+        <p:spPr/>
+        <p:txBody>
+          <a:bodyPr/>
+          <a:lstStyle/>
+          <a:p>
+            <a:r>
+              <a:rPr lang="en-AU" dirty="0"/>
+              <a:t>Demo on how to make a dashboard look at Splunk lab demo. </a:t>
+            </a:r>
+          </a:p>
+        </p:txBody>
+      </p:sp>
+    </p:spTree>
+    <p:extLst>
+      <p:ext uri="{BB962C8B-B14F-4D97-AF65-F5344CB8AC3E}">
+        <p14:creationId xmlns:p14="http://schemas.microsoft.com/office/powerpoint/2010/main" val="4220924254"/>
+      </p:ext>
+    </p:extLst>
+  </p:cSld>
+  <p:clrMapOvr>
+    <a:masterClrMapping/>
+  </p:clrMapOvr>
+</p:sld>
+</file>
+
+<file path=ppt/slides/slide21.xml><?xml version="1.0" encoding="utf-8"?>
+<p:sld xmlns:a="http://schemas.openxmlformats.org/drawingml/2006/main" xmlns:r="http://schemas.openxmlformats.org/officeDocument/2006/relationships" xmlns:p="http://schemas.openxmlformats.org/presentationml/2006/main">
+  <p:cSld>
+    <p:spTree>
+      <p:nvGrpSpPr>
+        <p:cNvPr id="1" name=""/>
+        <p:cNvGrpSpPr/>
+        <p:nvPr/>
+      </p:nvGrpSpPr>
+      <p:grpSpPr>
+        <a:xfrm>
+          <a:off x="0" y="0"/>
+          <a:ext cx="0" cy="0"/>
+          <a:chOff x="0" y="0"/>
+          <a:chExt cx="0" cy="0"/>
+        </a:xfrm>
+      </p:grpSpPr>
+      <p:sp>
+        <p:nvSpPr>
+          <p:cNvPr id="2" name="Title 1">
+            <a:extLst>
+              <a:ext uri="{FF2B5EF4-FFF2-40B4-BE49-F238E27FC236}">
+                <a16:creationId xmlns:a16="http://schemas.microsoft.com/office/drawing/2014/main" id="{5943141E-7017-5724-AF7A-D3C8D19A3077}"/>
+              </a:ext>
+            </a:extLst>
+          </p:cNvPr>
+          <p:cNvSpPr>
+            <a:spLocks noGrp="1"/>
+          </p:cNvSpPr>
+          <p:nvPr>
+            <p:ph type="title"/>
+          </p:nvPr>
+        </p:nvSpPr>
+        <p:spPr/>
+        <p:txBody>
+          <a:bodyPr/>
+          <a:lstStyle/>
+          <a:p>
+            <a:r>
+              <a:rPr lang="en-AU" dirty="0"/>
+              <a:t>Demo Dropdown / searches </a:t>
+            </a:r>
+          </a:p>
+        </p:txBody>
+      </p:sp>
+      <p:sp>
+        <p:nvSpPr>
+          <p:cNvPr id="3" name="Content Placeholder 2">
+            <a:extLst>
+              <a:ext uri="{FF2B5EF4-FFF2-40B4-BE49-F238E27FC236}">
+                <a16:creationId xmlns:a16="http://schemas.microsoft.com/office/drawing/2014/main" id="{1D267D6F-7488-3BF8-0FA7-86143AD87C1D}"/>
+              </a:ext>
+            </a:extLst>
+          </p:cNvPr>
+          <p:cNvSpPr>
+            <a:spLocks noGrp="1"/>
+          </p:cNvSpPr>
+          <p:nvPr>
+            <p:ph idx="1"/>
+          </p:nvPr>
+        </p:nvSpPr>
+        <p:spPr/>
+        <p:txBody>
+          <a:bodyPr/>
+          <a:lstStyle/>
+          <a:p>
+            <a:r>
+              <a:rPr lang="en-AU" dirty="0"/>
+              <a:t>Show how to search quickly by making a dropdown menu and a search filter</a:t>
+            </a:r>
+          </a:p>
+        </p:txBody>
+      </p:sp>
+    </p:spTree>
+    <p:extLst>
+      <p:ext uri="{BB962C8B-B14F-4D97-AF65-F5344CB8AC3E}">
+        <p14:creationId xmlns:p14="http://schemas.microsoft.com/office/powerpoint/2010/main" val="1089203021"/>
+      </p:ext>
+    </p:extLst>
+  </p:cSld>
+  <p:clrMapOvr>
+    <a:masterClrMapping/>
+  </p:clrMapOvr>
+</p:sld>
+</file>
+
 <file path=ppt/slides/slide3.xml><?xml version="1.0" encoding="utf-8"?>
 <p:sld xmlns:a="http://schemas.openxmlformats.org/drawingml/2006/main" xmlns:r="http://schemas.openxmlformats.org/officeDocument/2006/relationships" xmlns:p="http://schemas.openxmlformats.org/presentationml/2006/main">
   <p:cSld>
@@ -4169,6 +5167,158 @@
 </file>
 
 <file path=ppt/slides/slide4.xml><?xml version="1.0" encoding="utf-8"?>
+<p:sld xmlns:a="http://schemas.openxmlformats.org/drawingml/2006/main" xmlns:r="http://schemas.openxmlformats.org/officeDocument/2006/relationships" xmlns:p="http://schemas.openxmlformats.org/presentationml/2006/main">
+  <p:cSld>
+    <p:spTree>
+      <p:nvGrpSpPr>
+        <p:cNvPr id="1" name=""/>
+        <p:cNvGrpSpPr/>
+        <p:nvPr/>
+      </p:nvGrpSpPr>
+      <p:grpSpPr>
+        <a:xfrm>
+          <a:off x="0" y="0"/>
+          <a:ext cx="0" cy="0"/>
+          <a:chOff x="0" y="0"/>
+          <a:chExt cx="0" cy="0"/>
+        </a:xfrm>
+      </p:grpSpPr>
+      <p:sp>
+        <p:nvSpPr>
+          <p:cNvPr id="2" name="Title 1">
+            <a:extLst>
+              <a:ext uri="{FF2B5EF4-FFF2-40B4-BE49-F238E27FC236}">
+                <a16:creationId xmlns:a16="http://schemas.microsoft.com/office/drawing/2014/main" id="{411D65AC-0BD4-3378-49AE-B3769605E014}"/>
+              </a:ext>
+            </a:extLst>
+          </p:cNvPr>
+          <p:cNvSpPr>
+            <a:spLocks noGrp="1"/>
+          </p:cNvSpPr>
+          <p:nvPr>
+            <p:ph type="title"/>
+          </p:nvPr>
+        </p:nvSpPr>
+        <p:spPr/>
+        <p:txBody>
+          <a:bodyPr/>
+          <a:lstStyle/>
+          <a:p>
+            <a:r>
+              <a:rPr lang="en-AU" dirty="0"/>
+              <a:t>Demo intro and viewing source types</a:t>
+            </a:r>
+          </a:p>
+        </p:txBody>
+      </p:sp>
+      <p:sp>
+        <p:nvSpPr>
+          <p:cNvPr id="3" name="Content Placeholder 2">
+            <a:extLst>
+              <a:ext uri="{FF2B5EF4-FFF2-40B4-BE49-F238E27FC236}">
+                <a16:creationId xmlns:a16="http://schemas.microsoft.com/office/drawing/2014/main" id="{E3410602-4487-4787-8BFE-3ABFD0A10F66}"/>
+              </a:ext>
+            </a:extLst>
+          </p:cNvPr>
+          <p:cNvSpPr>
+            <a:spLocks noGrp="1"/>
+          </p:cNvSpPr>
+          <p:nvPr>
+            <p:ph idx="1"/>
+          </p:nvPr>
+        </p:nvSpPr>
+        <p:spPr/>
+        <p:txBody>
+          <a:bodyPr/>
+          <a:lstStyle/>
+          <a:p>
+            <a:r>
+              <a:rPr lang="en-AU" dirty="0"/>
+              <a:t>Moving around the </a:t>
+            </a:r>
+            <a:r>
+              <a:rPr lang="en-AU" dirty="0" err="1"/>
+              <a:t>splunk</a:t>
+            </a:r>
+            <a:r>
+              <a:rPr lang="en-AU" dirty="0"/>
+              <a:t> homepage</a:t>
+            </a:r>
+          </a:p>
+          <a:p>
+            <a:endParaRPr lang="en-AU" dirty="0"/>
+          </a:p>
+          <a:p>
+            <a:r>
+              <a:rPr lang="en-AU" dirty="0"/>
+              <a:t>How to determine all the source types loaded into </a:t>
+            </a:r>
+            <a:r>
+              <a:rPr lang="en-AU" dirty="0" err="1"/>
+              <a:t>splunk</a:t>
+            </a:r>
+            <a:r>
+              <a:rPr lang="en-AU" dirty="0"/>
+              <a:t>.</a:t>
+            </a:r>
+          </a:p>
+          <a:p>
+            <a:endParaRPr lang="en-AU" dirty="0"/>
+          </a:p>
+          <a:p>
+            <a:endParaRPr lang="en-AU" dirty="0"/>
+          </a:p>
+        </p:txBody>
+      </p:sp>
+      <p:pic>
+        <p:nvPicPr>
+          <p:cNvPr id="4" name="Picture 3">
+            <a:extLst>
+              <a:ext uri="{FF2B5EF4-FFF2-40B4-BE49-F238E27FC236}">
+                <a16:creationId xmlns:a16="http://schemas.microsoft.com/office/drawing/2014/main" id="{10A20294-A1CC-CB45-1124-08B95F8DFD24}"/>
+              </a:ext>
+            </a:extLst>
+          </p:cNvPr>
+          <p:cNvPicPr>
+            <a:picLocks noChangeAspect="1"/>
+          </p:cNvPicPr>
+          <p:nvPr/>
+        </p:nvPicPr>
+        <p:blipFill>
+          <a:blip r:embed="rId2"/>
+          <a:stretch>
+            <a:fillRect/>
+          </a:stretch>
+        </p:blipFill>
+        <p:spPr>
+          <a:xfrm>
+            <a:off x="3230245" y="3839694"/>
+            <a:ext cx="5731510" cy="988060"/>
+          </a:xfrm>
+          <a:prstGeom prst="rect">
+            <a:avLst/>
+          </a:prstGeom>
+          <a:ln w="25400">
+            <a:solidFill>
+              <a:schemeClr val="tx1"/>
+            </a:solidFill>
+          </a:ln>
+        </p:spPr>
+      </p:pic>
+    </p:spTree>
+    <p:extLst>
+      <p:ext uri="{BB962C8B-B14F-4D97-AF65-F5344CB8AC3E}">
+        <p14:creationId xmlns:p14="http://schemas.microsoft.com/office/powerpoint/2010/main" val="1682876296"/>
+      </p:ext>
+    </p:extLst>
+  </p:cSld>
+  <p:clrMapOvr>
+    <a:masterClrMapping/>
+  </p:clrMapOvr>
+</p:sld>
+</file>
+
+<file path=ppt/slides/slide5.xml><?xml version="1.0" encoding="utf-8"?>
 <p:sld xmlns:a="http://schemas.openxmlformats.org/drawingml/2006/main" xmlns:r="http://schemas.openxmlformats.org/officeDocument/2006/relationships" xmlns:p="http://schemas.openxmlformats.org/presentationml/2006/main">
   <p:cSld>
     <p:spTree>
@@ -4314,131 +5464,6 @@
 </p:sld>
 </file>
 
-<file path=ppt/slides/slide5.xml><?xml version="1.0" encoding="utf-8"?>
-<p:sld xmlns:a="http://schemas.openxmlformats.org/drawingml/2006/main" xmlns:r="http://schemas.openxmlformats.org/officeDocument/2006/relationships" xmlns:p="http://schemas.openxmlformats.org/presentationml/2006/main">
-  <p:cSld>
-    <p:spTree>
-      <p:nvGrpSpPr>
-        <p:cNvPr id="1" name=""/>
-        <p:cNvGrpSpPr/>
-        <p:nvPr/>
-      </p:nvGrpSpPr>
-      <p:grpSpPr>
-        <a:xfrm>
-          <a:off x="0" y="0"/>
-          <a:ext cx="0" cy="0"/>
-          <a:chOff x="0" y="0"/>
-          <a:chExt cx="0" cy="0"/>
-        </a:xfrm>
-      </p:grpSpPr>
-      <p:sp>
-        <p:nvSpPr>
-          <p:cNvPr id="2" name="Title 1">
-            <a:extLst>
-              <a:ext uri="{FF2B5EF4-FFF2-40B4-BE49-F238E27FC236}">
-                <a16:creationId xmlns:a16="http://schemas.microsoft.com/office/drawing/2014/main" id="{157AE698-46F7-3E5F-F52A-65B076596BD7}"/>
-              </a:ext>
-            </a:extLst>
-          </p:cNvPr>
-          <p:cNvSpPr>
-            <a:spLocks noGrp="1"/>
-          </p:cNvSpPr>
-          <p:nvPr>
-            <p:ph type="title"/>
-          </p:nvPr>
-        </p:nvSpPr>
-        <p:spPr/>
-        <p:txBody>
-          <a:bodyPr/>
-          <a:lstStyle/>
-          <a:p>
-            <a:r>
-              <a:rPr lang="en-US" dirty="0"/>
-              <a:t>Searching in Splunk </a:t>
-            </a:r>
-            <a:endParaRPr lang="en-AU" dirty="0"/>
-          </a:p>
-        </p:txBody>
-      </p:sp>
-      <p:sp>
-        <p:nvSpPr>
-          <p:cNvPr id="3" name="Content Placeholder 2">
-            <a:extLst>
-              <a:ext uri="{FF2B5EF4-FFF2-40B4-BE49-F238E27FC236}">
-                <a16:creationId xmlns:a16="http://schemas.microsoft.com/office/drawing/2014/main" id="{37FA90E8-A62A-85F1-C850-33791870187D}"/>
-              </a:ext>
-            </a:extLst>
-          </p:cNvPr>
-          <p:cNvSpPr>
-            <a:spLocks noGrp="1"/>
-          </p:cNvSpPr>
-          <p:nvPr>
-            <p:ph idx="1"/>
-          </p:nvPr>
-        </p:nvSpPr>
-        <p:spPr/>
-        <p:txBody>
-          <a:bodyPr>
-            <a:normAutofit/>
-          </a:bodyPr>
-          <a:lstStyle/>
-          <a:p>
-            <a:r>
-              <a:rPr lang="en-US" dirty="0"/>
-              <a:t>Logical operators are used in Splunk searches to combine or refine conditions. They make searches more precise and enable more advanced filtering logic.</a:t>
-            </a:r>
-          </a:p>
-          <a:p>
-            <a:r>
-              <a:rPr lang="en-US" dirty="0"/>
-              <a:t>Common logical operators include AND, OR, and NOT.</a:t>
-            </a:r>
-          </a:p>
-          <a:p>
-            <a:r>
-              <a:rPr lang="en-US" b="1" dirty="0"/>
-              <a:t>AND</a:t>
-            </a:r>
-            <a:r>
-              <a:rPr lang="en-US" dirty="0"/>
-              <a:t> requires all conditions to be true (e.g., status=200 AND method=POST)</a:t>
-            </a:r>
-          </a:p>
-          <a:p>
-            <a:r>
-              <a:rPr lang="en-US" b="1" dirty="0"/>
-              <a:t>OR</a:t>
-            </a:r>
-            <a:r>
-              <a:rPr lang="en-US" dirty="0"/>
-              <a:t> allows any one of multiple conditions to be true (e.g., status=200 OR status=404)</a:t>
-            </a:r>
-          </a:p>
-          <a:p>
-            <a:r>
-              <a:rPr lang="en-US" b="1" dirty="0"/>
-              <a:t>NOT</a:t>
-            </a:r>
-            <a:r>
-              <a:rPr lang="en-US" dirty="0"/>
-              <a:t> excludes certain events from results (e.g., NOT status=200).</a:t>
-            </a:r>
-          </a:p>
-        </p:txBody>
-      </p:sp>
-    </p:spTree>
-    <p:extLst>
-      <p:ext uri="{BB962C8B-B14F-4D97-AF65-F5344CB8AC3E}">
-        <p14:creationId xmlns:p14="http://schemas.microsoft.com/office/powerpoint/2010/main" val="1396224906"/>
-      </p:ext>
-    </p:extLst>
-  </p:cSld>
-  <p:clrMapOvr>
-    <a:masterClrMapping/>
-  </p:clrMapOvr>
-</p:sld>
-</file>
-
 <file path=ppt/slides/slide6.xml><?xml version="1.0" encoding="utf-8"?>
 <p:sld xmlns:a="http://schemas.openxmlformats.org/drawingml/2006/main" xmlns:r="http://schemas.openxmlformats.org/officeDocument/2006/relationships" xmlns:p="http://schemas.openxmlformats.org/presentationml/2006/main">
   <p:cSld>
@@ -4461,7 +5486,7 @@
           <p:cNvPr id="2" name="Title 1">
             <a:extLst>
               <a:ext uri="{FF2B5EF4-FFF2-40B4-BE49-F238E27FC236}">
-                <a16:creationId xmlns:a16="http://schemas.microsoft.com/office/drawing/2014/main" id="{8E7A6994-1E0E-48A5-9938-3C665347D46B}"/>
+                <a16:creationId xmlns:a16="http://schemas.microsoft.com/office/drawing/2014/main" id="{2A7BFB63-4269-E08B-1BE6-87FFCD661D35}"/>
               </a:ext>
             </a:extLst>
           </p:cNvPr>
@@ -4478,67 +5503,124 @@
           <a:lstStyle/>
           <a:p>
             <a:r>
-              <a:rPr lang="en-US" dirty="0"/>
-              <a:t>Dashboarding in Splunk</a:t>
-            </a:r>
+              <a:rPr lang="en-AU" dirty="0"/>
+              <a:t>Demo Searches</a:t>
+            </a:r>
+          </a:p>
+        </p:txBody>
+      </p:sp>
+      <p:sp>
+        <p:nvSpPr>
+          <p:cNvPr id="3" name="Content Placeholder 2">
+            <a:extLst>
+              <a:ext uri="{FF2B5EF4-FFF2-40B4-BE49-F238E27FC236}">
+                <a16:creationId xmlns:a16="http://schemas.microsoft.com/office/drawing/2014/main" id="{576F6114-8B65-4323-ED14-560AEED52836}"/>
+              </a:ext>
+            </a:extLst>
+          </p:cNvPr>
+          <p:cNvSpPr>
+            <a:spLocks noGrp="1"/>
+          </p:cNvSpPr>
+          <p:nvPr>
+            <p:ph idx="1"/>
+          </p:nvPr>
+        </p:nvSpPr>
+        <p:spPr/>
+        <p:txBody>
+          <a:bodyPr/>
+          <a:lstStyle/>
+          <a:p>
+            <a:r>
+              <a:rPr lang="en-AU" dirty="0"/>
+              <a:t>Do a stats count by </a:t>
+            </a:r>
+            <a:r>
+              <a:rPr lang="en-AU" dirty="0" err="1"/>
+              <a:t>Src</a:t>
+            </a:r>
+            <a:r>
+              <a:rPr lang="en-AU" dirty="0"/>
+              <a:t> IP</a:t>
+            </a:r>
+          </a:p>
+          <a:p>
             <a:endParaRPr lang="en-AU" dirty="0"/>
           </a:p>
-        </p:txBody>
-      </p:sp>
-      <p:sp>
-        <p:nvSpPr>
-          <p:cNvPr id="3" name="Content Placeholder 2">
-            <a:extLst>
-              <a:ext uri="{FF2B5EF4-FFF2-40B4-BE49-F238E27FC236}">
-                <a16:creationId xmlns:a16="http://schemas.microsoft.com/office/drawing/2014/main" id="{28D6F99C-145C-D717-1968-A1A606F3CD28}"/>
-              </a:ext>
-            </a:extLst>
-          </p:cNvPr>
-          <p:cNvSpPr>
-            <a:spLocks noGrp="1"/>
-          </p:cNvSpPr>
-          <p:nvPr>
-            <p:ph idx="1"/>
-          </p:nvPr>
-        </p:nvSpPr>
-        <p:spPr/>
-        <p:txBody>
-          <a:bodyPr>
-            <a:normAutofit/>
-          </a:bodyPr>
-          <a:lstStyle/>
-          <a:p>
-            <a:r>
-              <a:rPr lang="en-US" dirty="0"/>
-              <a:t>Dashboards are commonly used to display critical information quickly and clearly.</a:t>
-            </a:r>
-          </a:p>
-          <a:p>
-            <a:r>
-              <a:rPr lang="en-US" dirty="0"/>
-              <a:t>Dashboards can also be used to help drill down on important data for further analysis.</a:t>
-            </a:r>
-          </a:p>
-          <a:p>
-            <a:r>
-              <a:rPr lang="en-US" dirty="0"/>
-              <a:t>Dashboards are very useful in creating baselines to help determine what is and isn’t normal on a network.</a:t>
-            </a:r>
-          </a:p>
           <a:p>
             <a:pPr marL="0" indent="0">
               <a:buNone/>
             </a:pPr>
+            <a:r>
+              <a:rPr lang="en-AU" dirty="0"/>
+              <a:t> </a:t>
+            </a:r>
+          </a:p>
+          <a:p>
+            <a:r>
+              <a:rPr lang="en-AU" dirty="0"/>
+              <a:t>Do multiple stats count by with </a:t>
+            </a:r>
+            <a:r>
+              <a:rPr lang="en-AU" dirty="0" err="1"/>
+              <a:t>src</a:t>
+            </a:r>
+            <a:r>
+              <a:rPr lang="en-AU" dirty="0"/>
+              <a:t> </a:t>
+            </a:r>
+            <a:r>
+              <a:rPr lang="en-AU" dirty="0" err="1"/>
+              <a:t>ip</a:t>
+            </a:r>
+            <a:r>
+              <a:rPr lang="en-AU" dirty="0"/>
+              <a:t> and </a:t>
+            </a:r>
+            <a:r>
+              <a:rPr lang="en-AU" dirty="0" err="1"/>
+              <a:t>dst</a:t>
+            </a:r>
+            <a:r>
+              <a:rPr lang="en-AU" dirty="0"/>
+              <a:t> </a:t>
+            </a:r>
+            <a:r>
+              <a:rPr lang="en-AU" dirty="0" err="1"/>
+              <a:t>ip</a:t>
+            </a:r>
+            <a:endParaRPr lang="en-AU" dirty="0"/>
+          </a:p>
+          <a:p>
+            <a:endParaRPr lang="en-AU" dirty="0"/>
+          </a:p>
+          <a:p>
+            <a:endParaRPr lang="en-AU" dirty="0"/>
+          </a:p>
+          <a:p>
+            <a:r>
+              <a:rPr lang="en-AU" dirty="0"/>
+              <a:t>Give me the latest 5 events of a </a:t>
+            </a:r>
+            <a:r>
+              <a:rPr lang="en-AU" dirty="0" err="1"/>
+              <a:t>sourcetype</a:t>
+            </a:r>
+            <a:endParaRPr lang="en-AU" dirty="0"/>
+          </a:p>
+          <a:p>
+            <a:endParaRPr lang="en-AU" dirty="0"/>
+          </a:p>
+          <a:p>
             <a:endParaRPr lang="en-AU" dirty="0"/>
           </a:p>
         </p:txBody>
       </p:sp>
       <p:pic>
         <p:nvPicPr>
-          <p:cNvPr id="5" name="Picture 4">
-            <a:extLst>
-              <a:ext uri="{FF2B5EF4-FFF2-40B4-BE49-F238E27FC236}">
-                <a16:creationId xmlns:a16="http://schemas.microsoft.com/office/drawing/2014/main" id="{966BB166-1D1A-5AED-3AF2-EDEAC0F53F72}"/>
+          <p:cNvPr id="4" name="Picture 3">
+            <a:extLst>
+              <a:ext uri="{FF2B5EF4-FFF2-40B4-BE49-F238E27FC236}">
+                <a16:creationId xmlns:a16="http://schemas.microsoft.com/office/drawing/2014/main" id="{AB2711A1-BB80-FF87-F869-4DCFD09C2E3B}"/>
               </a:ext>
             </a:extLst>
           </p:cNvPr>
@@ -4555,13 +5637,83 @@
         </p:blipFill>
         <p:spPr>
           <a:xfrm>
-            <a:off x="-9656" y="4775200"/>
-            <a:ext cx="12161899" cy="1822174"/>
+            <a:off x="3094778" y="2445808"/>
+            <a:ext cx="5731510" cy="679450"/>
           </a:xfrm>
           <a:prstGeom prst="rect">
             <a:avLst/>
           </a:prstGeom>
-          <a:ln w="38100">
+          <a:ln w="25400">
+            <a:solidFill>
+              <a:schemeClr val="tx1"/>
+            </a:solidFill>
+          </a:ln>
+        </p:spPr>
+      </p:pic>
+      <p:pic>
+        <p:nvPicPr>
+          <p:cNvPr id="5" name="Picture 4">
+            <a:extLst>
+              <a:ext uri="{FF2B5EF4-FFF2-40B4-BE49-F238E27FC236}">
+                <a16:creationId xmlns:a16="http://schemas.microsoft.com/office/drawing/2014/main" id="{12539ED6-A2DD-3F4B-1394-5FD40C4FAA9E}"/>
+              </a:ext>
+            </a:extLst>
+          </p:cNvPr>
+          <p:cNvPicPr>
+            <a:picLocks noChangeAspect="1"/>
+          </p:cNvPicPr>
+          <p:nvPr/>
+        </p:nvPicPr>
+        <p:blipFill>
+          <a:blip r:embed="rId3"/>
+          <a:stretch>
+            <a:fillRect/>
+          </a:stretch>
+        </p:blipFill>
+        <p:spPr>
+          <a:xfrm>
+            <a:off x="3094778" y="4104987"/>
+            <a:ext cx="5731510" cy="602615"/>
+          </a:xfrm>
+          <a:prstGeom prst="rect">
+            <a:avLst/>
+          </a:prstGeom>
+          <a:ln w="25400">
+            <a:solidFill>
+              <a:schemeClr val="tx1"/>
+            </a:solidFill>
+          </a:ln>
+        </p:spPr>
+      </p:pic>
+      <p:pic>
+        <p:nvPicPr>
+          <p:cNvPr id="6" name="Picture 5">
+            <a:extLst>
+              <a:ext uri="{FF2B5EF4-FFF2-40B4-BE49-F238E27FC236}">
+                <a16:creationId xmlns:a16="http://schemas.microsoft.com/office/drawing/2014/main" id="{014155BE-BA73-0D44-AAEE-24A4F22D849B}"/>
+              </a:ext>
+            </a:extLst>
+          </p:cNvPr>
+          <p:cNvPicPr>
+            <a:picLocks noChangeAspect="1"/>
+          </p:cNvPicPr>
+          <p:nvPr/>
+        </p:nvPicPr>
+        <p:blipFill>
+          <a:blip r:embed="rId4"/>
+          <a:stretch>
+            <a:fillRect/>
+          </a:stretch>
+        </p:blipFill>
+        <p:spPr>
+          <a:xfrm>
+            <a:off x="3889027" y="5402837"/>
+            <a:ext cx="4413945" cy="1090038"/>
+          </a:xfrm>
+          <a:prstGeom prst="rect">
+            <a:avLst/>
+          </a:prstGeom>
+          <a:ln w="25400">
             <a:solidFill>
               <a:schemeClr val="tx1"/>
             </a:solidFill>
@@ -4571,7 +5723,7 @@
     </p:spTree>
     <p:extLst>
       <p:ext uri="{BB962C8B-B14F-4D97-AF65-F5344CB8AC3E}">
-        <p14:creationId xmlns:p14="http://schemas.microsoft.com/office/powerpoint/2010/main" val="2918504299"/>
+        <p14:creationId xmlns:p14="http://schemas.microsoft.com/office/powerpoint/2010/main" val="3290940646"/>
       </p:ext>
     </p:extLst>
   </p:cSld>
@@ -4603,7 +5755,7 @@
           <p:cNvPr id="2" name="Title 1">
             <a:extLst>
               <a:ext uri="{FF2B5EF4-FFF2-40B4-BE49-F238E27FC236}">
-                <a16:creationId xmlns:a16="http://schemas.microsoft.com/office/drawing/2014/main" id="{24F68CE8-14A6-E453-EEA7-B52B363A3065}"/>
+                <a16:creationId xmlns:a16="http://schemas.microsoft.com/office/drawing/2014/main" id="{84B455FF-3333-2009-0B7A-1C345EFB86EA}"/>
               </a:ext>
             </a:extLst>
           </p:cNvPr>
@@ -4620,59 +5772,53 @@
           <a:lstStyle/>
           <a:p>
             <a:r>
-              <a:rPr lang="en-US" dirty="0"/>
-              <a:t>Dashboarding in Splunk – making a dashboard </a:t>
-            </a:r>
+              <a:rPr lang="en-AU" dirty="0"/>
+              <a:t>Lab Searches</a:t>
+            </a:r>
+          </a:p>
+        </p:txBody>
+      </p:sp>
+      <p:sp>
+        <p:nvSpPr>
+          <p:cNvPr id="3" name="Content Placeholder 2">
+            <a:extLst>
+              <a:ext uri="{FF2B5EF4-FFF2-40B4-BE49-F238E27FC236}">
+                <a16:creationId xmlns:a16="http://schemas.microsoft.com/office/drawing/2014/main" id="{71D5BBC8-600E-7783-89CE-F7A620175915}"/>
+              </a:ext>
+            </a:extLst>
+          </p:cNvPr>
+          <p:cNvSpPr>
+            <a:spLocks noGrp="1"/>
+          </p:cNvSpPr>
+          <p:nvPr>
+            <p:ph idx="1"/>
+          </p:nvPr>
+        </p:nvSpPr>
+        <p:spPr/>
+        <p:txBody>
+          <a:bodyPr/>
+          <a:lstStyle/>
+          <a:p>
+            <a:r>
+              <a:rPr lang="en-AU" dirty="0"/>
+              <a:t>Find what file is located in the TEMP directory</a:t>
+            </a:r>
+          </a:p>
+          <a:p>
             <a:endParaRPr lang="en-AU" dirty="0"/>
           </a:p>
-        </p:txBody>
-      </p:sp>
-      <p:sp>
-        <p:nvSpPr>
-          <p:cNvPr id="3" name="Content Placeholder 2">
-            <a:extLst>
-              <a:ext uri="{FF2B5EF4-FFF2-40B4-BE49-F238E27FC236}">
-                <a16:creationId xmlns:a16="http://schemas.microsoft.com/office/drawing/2014/main" id="{4B89A020-0FD7-ACBA-BA2B-4EC97DD738C2}"/>
-              </a:ext>
-            </a:extLst>
-          </p:cNvPr>
-          <p:cNvSpPr>
-            <a:spLocks noGrp="1"/>
-          </p:cNvSpPr>
-          <p:nvPr>
-            <p:ph idx="1"/>
-          </p:nvPr>
-        </p:nvSpPr>
-        <p:spPr/>
-        <p:txBody>
-          <a:bodyPr/>
-          <a:lstStyle/>
-          <a:p>
-            <a:r>
-              <a:rPr lang="en-US" dirty="0"/>
-              <a:t>For example event logs contain vital information and are extremely valuable however are very tedious to look at and often are filled with a lot of irrelevant data.</a:t>
-            </a:r>
-          </a:p>
-          <a:p>
-            <a:endParaRPr lang="en-US" dirty="0"/>
-          </a:p>
-          <a:p>
-            <a:r>
-              <a:rPr lang="en-US" dirty="0"/>
-              <a:t>Using dashboards it is possible to filter and display only relevant  event logs quickly.</a:t>
-            </a:r>
-          </a:p>
-          <a:p>
-            <a:endParaRPr lang="en-US" dirty="0"/>
-          </a:p>
-          <a:p>
-            <a:r>
-              <a:rPr lang="en-US" dirty="0" err="1"/>
-              <a:t>i.e</a:t>
-            </a:r>
-            <a:r>
-              <a:rPr lang="en-US" dirty="0"/>
-              <a:t> ***</a:t>
+          <a:p>
+            <a:r>
+              <a:rPr lang="en-AU" dirty="0"/>
+              <a:t>In </a:t>
+            </a:r>
+            <a:r>
+              <a:rPr lang="en-AU" dirty="0" err="1"/>
+              <a:t>splunk</a:t>
+            </a:r>
+            <a:r>
+              <a:rPr lang="en-AU" dirty="0"/>
+              <a:t> you are able to do string searches</a:t>
             </a:r>
           </a:p>
         </p:txBody>
@@ -4680,7 +5826,7 @@
     </p:spTree>
     <p:extLst>
       <p:ext uri="{BB962C8B-B14F-4D97-AF65-F5344CB8AC3E}">
-        <p14:creationId xmlns:p14="http://schemas.microsoft.com/office/powerpoint/2010/main" val="308005799"/>
+        <p14:creationId xmlns:p14="http://schemas.microsoft.com/office/powerpoint/2010/main" val="4073885307"/>
       </p:ext>
     </p:extLst>
   </p:cSld>
@@ -4712,7 +5858,7 @@
           <p:cNvPr id="2" name="Title 1">
             <a:extLst>
               <a:ext uri="{FF2B5EF4-FFF2-40B4-BE49-F238E27FC236}">
-                <a16:creationId xmlns:a16="http://schemas.microsoft.com/office/drawing/2014/main" id="{86905A66-7EF6-64F4-0942-436BBF0ACAF6}"/>
+                <a16:creationId xmlns:a16="http://schemas.microsoft.com/office/drawing/2014/main" id="{38099223-8C60-72F1-74F3-EB0D74064A42}"/>
               </a:ext>
             </a:extLst>
           </p:cNvPr>
@@ -4729,10 +5875,9 @@
           <a:lstStyle/>
           <a:p>
             <a:r>
-              <a:rPr lang="en-US" dirty="0"/>
-              <a:t>Dashboarding in Splunk – making a dashboard</a:t>
-            </a:r>
-            <a:endParaRPr lang="en-AU" dirty="0"/>
+              <a:rPr lang="en-AU" dirty="0"/>
+              <a:t>Table</a:t>
+            </a:r>
           </a:p>
         </p:txBody>
       </p:sp>
@@ -4741,7 +5886,7 @@
           <p:cNvPr id="3" name="Content Placeholder 2">
             <a:extLst>
               <a:ext uri="{FF2B5EF4-FFF2-40B4-BE49-F238E27FC236}">
-                <a16:creationId xmlns:a16="http://schemas.microsoft.com/office/drawing/2014/main" id="{3C3C51D1-1BF4-41F4-0300-EA87C364F26B}"/>
+                <a16:creationId xmlns:a16="http://schemas.microsoft.com/office/drawing/2014/main" id="{BC815DDB-ED52-D88A-9A32-FC81EB36DFD5}"/>
               </a:ext>
             </a:extLst>
           </p:cNvPr>
@@ -4756,18 +5901,42 @@
         <p:txBody>
           <a:bodyPr/>
           <a:lstStyle/>
+          <a:p>
+            <a:r>
+              <a:rPr lang="en-AU" dirty="0"/>
+              <a:t>Normal source types have too many fields to analyse at once. </a:t>
+            </a:r>
+          </a:p>
           <a:p>
             <a:pPr marL="0" indent="0">
               <a:buNone/>
             </a:pPr>
             <a:endParaRPr lang="en-AU" dirty="0"/>
+          </a:p>
+          <a:p>
+            <a:r>
+              <a:rPr lang="en-AU" dirty="0"/>
+              <a:t>With the table function you are able to select which fields you want to view.</a:t>
+            </a:r>
+          </a:p>
+          <a:p>
+            <a:pPr marL="0" indent="0">
+              <a:buNone/>
+            </a:pPr>
+            <a:endParaRPr lang="en-AU" dirty="0"/>
+          </a:p>
+          <a:p>
+            <a:r>
+              <a:rPr lang="en-AU" dirty="0"/>
+              <a:t>Helpful when generating dashboards as you can select only the important fields.</a:t>
+            </a:r>
           </a:p>
         </p:txBody>
       </p:sp>
     </p:spTree>
     <p:extLst>
       <p:ext uri="{BB962C8B-B14F-4D97-AF65-F5344CB8AC3E}">
-        <p14:creationId xmlns:p14="http://schemas.microsoft.com/office/powerpoint/2010/main" val="4220924254"/>
+        <p14:creationId xmlns:p14="http://schemas.microsoft.com/office/powerpoint/2010/main" val="2372391513"/>
       </p:ext>
     </p:extLst>
   </p:cSld>
@@ -4799,7 +5968,7 @@
           <p:cNvPr id="2" name="Title 1">
             <a:extLst>
               <a:ext uri="{FF2B5EF4-FFF2-40B4-BE49-F238E27FC236}">
-                <a16:creationId xmlns:a16="http://schemas.microsoft.com/office/drawing/2014/main" id="{A543078A-EE9D-B9ED-DD9D-4D219BBE78A2}"/>
+                <a16:creationId xmlns:a16="http://schemas.microsoft.com/office/drawing/2014/main" id="{9277B1FE-22A9-1191-5040-823459462B38}"/>
               </a:ext>
             </a:extLst>
           </p:cNvPr>
@@ -4816,62 +5985,146 @@
           <a:lstStyle/>
           <a:p>
             <a:r>
-              <a:rPr lang="en-US" dirty="0"/>
-              <a:t>Lab 2 </a:t>
-            </a:r>
+              <a:rPr lang="en-AU" dirty="0"/>
+              <a:t>Demo Table</a:t>
+            </a:r>
+          </a:p>
+        </p:txBody>
+      </p:sp>
+      <p:sp>
+        <p:nvSpPr>
+          <p:cNvPr id="3" name="Content Placeholder 2">
+            <a:extLst>
+              <a:ext uri="{FF2B5EF4-FFF2-40B4-BE49-F238E27FC236}">
+                <a16:creationId xmlns:a16="http://schemas.microsoft.com/office/drawing/2014/main" id="{678944F3-8D4E-E361-4C3F-DE2A130CF60A}"/>
+              </a:ext>
+            </a:extLst>
+          </p:cNvPr>
+          <p:cNvSpPr>
+            <a:spLocks noGrp="1"/>
+          </p:cNvSpPr>
+          <p:nvPr>
+            <p:ph idx="1"/>
+          </p:nvPr>
+        </p:nvSpPr>
+        <p:spPr/>
+        <p:txBody>
+          <a:bodyPr/>
+          <a:lstStyle/>
+          <a:p>
+            <a:r>
+              <a:rPr lang="en-AU" dirty="0"/>
+              <a:t>Using the </a:t>
+            </a:r>
+            <a:r>
+              <a:rPr lang="en-AU" dirty="0" err="1"/>
+              <a:t>PSList</a:t>
+            </a:r>
+            <a:r>
+              <a:rPr lang="en-AU" dirty="0"/>
+              <a:t> source type extract the fields seen in the screenshot below</a:t>
+            </a:r>
+          </a:p>
+          <a:p>
+            <a:pPr marL="0" indent="0">
+              <a:buNone/>
+            </a:pPr>
             <a:endParaRPr lang="en-AU" dirty="0"/>
           </a:p>
-        </p:txBody>
-      </p:sp>
-      <p:sp>
-        <p:nvSpPr>
-          <p:cNvPr id="3" name="Content Placeholder 2">
-            <a:extLst>
-              <a:ext uri="{FF2B5EF4-FFF2-40B4-BE49-F238E27FC236}">
-                <a16:creationId xmlns:a16="http://schemas.microsoft.com/office/drawing/2014/main" id="{E9CF5105-07AC-7DF2-6FDA-327B9767EA8F}"/>
-              </a:ext>
-            </a:extLst>
-          </p:cNvPr>
-          <p:cNvSpPr>
-            <a:spLocks noGrp="1"/>
-          </p:cNvSpPr>
-          <p:nvPr>
-            <p:ph idx="1"/>
-          </p:nvPr>
-        </p:nvSpPr>
-        <p:spPr/>
-        <p:txBody>
-          <a:bodyPr/>
-          <a:lstStyle/>
-          <a:p>
-            <a:r>
-              <a:rPr lang="en-US" dirty="0"/>
-              <a:t>Create a dashboard displaying </a:t>
-            </a:r>
-            <a:r>
-              <a:rPr lang="en-US" dirty="0" err="1"/>
-              <a:t>computername</a:t>
-            </a:r>
-            <a:r>
-              <a:rPr lang="en-US" dirty="0"/>
-              <a:t>, time, and </a:t>
-            </a:r>
-            <a:r>
-              <a:rPr lang="en-US" dirty="0" err="1"/>
-              <a:t>ipaddress</a:t>
-            </a:r>
-            <a:r>
-              <a:rPr lang="en-US" dirty="0"/>
-              <a:t>?</a:t>
-            </a:r>
+          <a:p>
+            <a:pPr marL="0" indent="0">
+              <a:buNone/>
+            </a:pPr>
             <a:endParaRPr lang="en-AU" dirty="0"/>
           </a:p>
-        </p:txBody>
-      </p:sp>
+          <a:p>
+            <a:r>
+              <a:rPr lang="en-AU" dirty="0"/>
+              <a:t>After tabling source types get rid of duplications</a:t>
+            </a:r>
+          </a:p>
+          <a:p>
+            <a:pPr marL="0" indent="0">
+              <a:buNone/>
+            </a:pPr>
+            <a:endParaRPr lang="en-AU" dirty="0"/>
+          </a:p>
+        </p:txBody>
+      </p:sp>
+      <p:pic>
+        <p:nvPicPr>
+          <p:cNvPr id="4" name="Picture 3">
+            <a:extLst>
+              <a:ext uri="{FF2B5EF4-FFF2-40B4-BE49-F238E27FC236}">
+                <a16:creationId xmlns:a16="http://schemas.microsoft.com/office/drawing/2014/main" id="{161E28F0-F02F-6AE8-E415-FB3E1B693828}"/>
+              </a:ext>
+            </a:extLst>
+          </p:cNvPr>
+          <p:cNvPicPr>
+            <a:picLocks noChangeAspect="1"/>
+          </p:cNvPicPr>
+          <p:nvPr/>
+        </p:nvPicPr>
+        <p:blipFill>
+          <a:blip r:embed="rId2"/>
+          <a:stretch>
+            <a:fillRect/>
+          </a:stretch>
+        </p:blipFill>
+        <p:spPr>
+          <a:xfrm>
+            <a:off x="3230245" y="2852541"/>
+            <a:ext cx="5731510" cy="599440"/>
+          </a:xfrm>
+          <a:prstGeom prst="rect">
+            <a:avLst/>
+          </a:prstGeom>
+          <a:ln w="25400">
+            <a:solidFill>
+              <a:schemeClr val="tx1"/>
+            </a:solidFill>
+          </a:ln>
+        </p:spPr>
+      </p:pic>
+      <p:pic>
+        <p:nvPicPr>
+          <p:cNvPr id="5" name="Picture 4">
+            <a:extLst>
+              <a:ext uri="{FF2B5EF4-FFF2-40B4-BE49-F238E27FC236}">
+                <a16:creationId xmlns:a16="http://schemas.microsoft.com/office/drawing/2014/main" id="{FE29D5EE-00AB-A5BC-11F0-66792B2387B1}"/>
+              </a:ext>
+            </a:extLst>
+          </p:cNvPr>
+          <p:cNvPicPr>
+            <a:picLocks noChangeAspect="1"/>
+          </p:cNvPicPr>
+          <p:nvPr/>
+        </p:nvPicPr>
+        <p:blipFill>
+          <a:blip r:embed="rId3"/>
+          <a:stretch>
+            <a:fillRect/>
+          </a:stretch>
+        </p:blipFill>
+        <p:spPr>
+          <a:xfrm>
+            <a:off x="3230245" y="4865642"/>
+            <a:ext cx="5731510" cy="697230"/>
+          </a:xfrm>
+          <a:prstGeom prst="rect">
+            <a:avLst/>
+          </a:prstGeom>
+          <a:ln w="25400">
+            <a:solidFill>
+              <a:schemeClr val="tx1"/>
+            </a:solidFill>
+          </a:ln>
+        </p:spPr>
+      </p:pic>
     </p:spTree>
     <p:extLst>
       <p:ext uri="{BB962C8B-B14F-4D97-AF65-F5344CB8AC3E}">
-        <p14:creationId xmlns:p14="http://schemas.microsoft.com/office/powerpoint/2010/main" val="1325492809"/>
+        <p14:creationId xmlns:p14="http://schemas.microsoft.com/office/powerpoint/2010/main" val="2594184755"/>
       </p:ext>
     </p:extLst>
   </p:cSld>
